--- a/etc/organization.pptx
+++ b/etc/organization.pptx
@@ -2,10 +2,10 @@
 <file path=ppt/presentation.xml><?xml version="1.0" encoding="utf-8"?>
 <p:presentation xmlns:a="http://schemas.openxmlformats.org/drawingml/2006/main" xmlns:r="http://schemas.openxmlformats.org/officeDocument/2006/relationships" xmlns:p="http://schemas.openxmlformats.org/presentationml/2006/main" saveSubsetFonts="1">
   <p:sldMasterIdLst>
-    <p:sldMasterId id="2147483660" r:id="rId1"/>
+    <p:sldMasterId id="2147483678" r:id="rId1"/>
   </p:sldMasterIdLst>
   <p:notesMasterIdLst>
-    <p:notesMasterId r:id="rId11"/>
+    <p:notesMasterId r:id="rId29"/>
   </p:notesMasterIdLst>
   <p:sldIdLst>
     <p:sldId id="256" r:id="rId2"/>
@@ -17,6 +17,24 @@
     <p:sldId id="264" r:id="rId8"/>
     <p:sldId id="265" r:id="rId9"/>
     <p:sldId id="267" r:id="rId10"/>
+    <p:sldId id="268" r:id="rId11"/>
+    <p:sldId id="269" r:id="rId12"/>
+    <p:sldId id="270" r:id="rId13"/>
+    <p:sldId id="271" r:id="rId14"/>
+    <p:sldId id="273" r:id="rId15"/>
+    <p:sldId id="274" r:id="rId16"/>
+    <p:sldId id="276" r:id="rId17"/>
+    <p:sldId id="277" r:id="rId18"/>
+    <p:sldId id="278" r:id="rId19"/>
+    <p:sldId id="279" r:id="rId20"/>
+    <p:sldId id="280" r:id="rId21"/>
+    <p:sldId id="281" r:id="rId22"/>
+    <p:sldId id="282" r:id="rId23"/>
+    <p:sldId id="283" r:id="rId24"/>
+    <p:sldId id="284" r:id="rId25"/>
+    <p:sldId id="285" r:id="rId26"/>
+    <p:sldId id="286" r:id="rId27"/>
+    <p:sldId id="287" r:id="rId28"/>
   </p:sldIdLst>
   <p:sldSz cx="12192000" cy="6858000"/>
   <p:notesSz cx="6858000" cy="9144000"/>
@@ -115,6 +133,11 @@
       </a:defRPr>
     </a:lvl9pPr>
   </p:defaultTextStyle>
+  <p:extLst>
+    <p:ext uri="{EFAFB233-063F-42B5-8137-9DF3F51BA10A}">
+      <p15:sldGuideLst xmlns:p15="http://schemas.microsoft.com/office/powerpoint/2012/main"/>
+    </p:ext>
+  </p:extLst>
 </p:presentation>
 </file>
 
@@ -466,6 +489,98 @@
     </a:lvl9pPr>
   </p:notesStyle>
 </p:notesMaster>
+</file>
+
+<file path=ppt/notesSlides/notesSlide1.xml><?xml version="1.0" encoding="utf-8"?>
+<p:notes xmlns:a="http://schemas.openxmlformats.org/drawingml/2006/main" xmlns:r="http://schemas.openxmlformats.org/officeDocument/2006/relationships" xmlns:p="http://schemas.openxmlformats.org/presentationml/2006/main">
+  <p:cSld>
+    <p:spTree>
+      <p:nvGrpSpPr>
+        <p:cNvPr id="1" name=""/>
+        <p:cNvGrpSpPr/>
+        <p:nvPr/>
+      </p:nvGrpSpPr>
+      <p:grpSpPr>
+        <a:xfrm>
+          <a:off x="0" y="0"/>
+          <a:ext cx="0" cy="0"/>
+          <a:chOff x="0" y="0"/>
+          <a:chExt cx="0" cy="0"/>
+        </a:xfrm>
+      </p:grpSpPr>
+      <p:sp>
+        <p:nvSpPr>
+          <p:cNvPr id="2" name="Slide Image Placeholder 1"/>
+          <p:cNvSpPr>
+            <a:spLocks noGrp="1" noRot="1" noChangeAspect="1"/>
+          </p:cNvSpPr>
+          <p:nvPr>
+            <p:ph type="sldImg"/>
+          </p:nvPr>
+        </p:nvSpPr>
+        <p:spPr/>
+      </p:sp>
+      <p:sp>
+        <p:nvSpPr>
+          <p:cNvPr id="3" name="Notes Placeholder 2"/>
+          <p:cNvSpPr>
+            <a:spLocks noGrp="1"/>
+          </p:cNvSpPr>
+          <p:nvPr>
+            <p:ph type="body" idx="1"/>
+          </p:nvPr>
+        </p:nvSpPr>
+        <p:spPr/>
+        <p:txBody>
+          <a:bodyPr/>
+          <a:lstStyle/>
+          <a:p>
+            <a:r>
+              <a:rPr lang="en-US" dirty="0" smtClean="0"/>
+              <a:t>It’s like that one adage about cells, that</a:t>
+            </a:r>
+            <a:r>
+              <a:rPr lang="en-US" baseline="0" dirty="0" smtClean="0"/>
+              <a:t> function dictates structure. Ok, that was probably a bad analogy.</a:t>
+            </a:r>
+            <a:endParaRPr lang="en-US" dirty="0"/>
+          </a:p>
+        </p:txBody>
+      </p:sp>
+      <p:sp>
+        <p:nvSpPr>
+          <p:cNvPr id="4" name="Slide Number Placeholder 3"/>
+          <p:cNvSpPr>
+            <a:spLocks noGrp="1"/>
+          </p:cNvSpPr>
+          <p:nvPr>
+            <p:ph type="sldNum" sz="quarter" idx="10"/>
+          </p:nvPr>
+        </p:nvSpPr>
+        <p:spPr/>
+        <p:txBody>
+          <a:bodyPr/>
+          <a:lstStyle/>
+          <a:p>
+            <a:fld id="{641308E4-AF49-43BC-A7F7-85708693DE49}" type="slidenum">
+              <a:rPr lang="en-US" smtClean="0"/>
+              <a:t>10</a:t>
+            </a:fld>
+            <a:endParaRPr lang="en-US"/>
+          </a:p>
+        </p:txBody>
+      </p:sp>
+    </p:spTree>
+    <p:extLst>
+      <p:ext uri="{BB962C8B-B14F-4D97-AF65-F5344CB8AC3E}">
+        <p14:creationId xmlns:p14="http://schemas.microsoft.com/office/powerpoint/2010/main" val="51989868"/>
+      </p:ext>
+    </p:extLst>
+  </p:cSld>
+  <p:clrMapOvr>
+    <a:masterClrMapping/>
+  </p:clrMapOvr>
+</p:notes>
 </file>
 
 <file path=ppt/slideLayouts/slideLayout1.xml><?xml version="1.0" encoding="utf-8"?>
@@ -1026,7 +1141,7 @@
     </p:spTree>
     <p:extLst>
       <p:ext uri="{BB962C8B-B14F-4D97-AF65-F5344CB8AC3E}">
-        <p14:creationId xmlns:p14="http://schemas.microsoft.com/office/powerpoint/2010/main" val="2789217455"/>
+        <p14:creationId xmlns:p14="http://schemas.microsoft.com/office/powerpoint/2010/main" val="2293927372"/>
       </p:ext>
     </p:extLst>
   </p:cSld>
@@ -1317,7 +1432,7 @@
     </p:spTree>
     <p:extLst>
       <p:ext uri="{BB962C8B-B14F-4D97-AF65-F5344CB8AC3E}">
-        <p14:creationId xmlns:p14="http://schemas.microsoft.com/office/powerpoint/2010/main" val="338514068"/>
+        <p14:creationId xmlns:p14="http://schemas.microsoft.com/office/powerpoint/2010/main" val="2180374787"/>
       </p:ext>
     </p:extLst>
   </p:cSld>
@@ -1565,7 +1680,7 @@
     </p:spTree>
     <p:extLst>
       <p:ext uri="{BB962C8B-B14F-4D97-AF65-F5344CB8AC3E}">
-        <p14:creationId xmlns:p14="http://schemas.microsoft.com/office/powerpoint/2010/main" val="3784513830"/>
+        <p14:creationId xmlns:p14="http://schemas.microsoft.com/office/powerpoint/2010/main" val="298388697"/>
       </p:ext>
     </p:extLst>
   </p:cSld>
@@ -2105,7 +2220,7 @@
     </p:spTree>
     <p:extLst>
       <p:ext uri="{BB962C8B-B14F-4D97-AF65-F5344CB8AC3E}">
-        <p14:creationId xmlns:p14="http://schemas.microsoft.com/office/powerpoint/2010/main" val="317473383"/>
+        <p14:creationId xmlns:p14="http://schemas.microsoft.com/office/powerpoint/2010/main" val="1524869269"/>
       </p:ext>
     </p:extLst>
   </p:cSld>
@@ -2353,7 +2468,7 @@
     </p:spTree>
     <p:extLst>
       <p:ext uri="{BB962C8B-B14F-4D97-AF65-F5344CB8AC3E}">
-        <p14:creationId xmlns:p14="http://schemas.microsoft.com/office/powerpoint/2010/main" val="4173271742"/>
+        <p14:creationId xmlns:p14="http://schemas.microsoft.com/office/powerpoint/2010/main" val="1260421092"/>
       </p:ext>
     </p:extLst>
   </p:cSld>
@@ -2885,7 +3000,7 @@
     </p:spTree>
     <p:extLst>
       <p:ext uri="{BB962C8B-B14F-4D97-AF65-F5344CB8AC3E}">
-        <p14:creationId xmlns:p14="http://schemas.microsoft.com/office/powerpoint/2010/main" val="438166902"/>
+        <p14:creationId xmlns:p14="http://schemas.microsoft.com/office/powerpoint/2010/main" val="2664065622"/>
       </p:ext>
     </p:extLst>
   </p:cSld>
@@ -3182,7 +3297,7 @@
     </p:spTree>
     <p:extLst>
       <p:ext uri="{BB962C8B-B14F-4D97-AF65-F5344CB8AC3E}">
-        <p14:creationId xmlns:p14="http://schemas.microsoft.com/office/powerpoint/2010/main" val="1942476792"/>
+        <p14:creationId xmlns:p14="http://schemas.microsoft.com/office/powerpoint/2010/main" val="4091276875"/>
       </p:ext>
     </p:extLst>
   </p:cSld>
@@ -3356,7 +3471,7 @@
     </p:spTree>
     <p:extLst>
       <p:ext uri="{BB962C8B-B14F-4D97-AF65-F5344CB8AC3E}">
-        <p14:creationId xmlns:p14="http://schemas.microsoft.com/office/powerpoint/2010/main" val="727745724"/>
+        <p14:creationId xmlns:p14="http://schemas.microsoft.com/office/powerpoint/2010/main" val="953827253"/>
       </p:ext>
     </p:extLst>
   </p:cSld>
@@ -3536,7 +3651,7 @@
     </p:spTree>
     <p:extLst>
       <p:ext uri="{BB962C8B-B14F-4D97-AF65-F5344CB8AC3E}">
-        <p14:creationId xmlns:p14="http://schemas.microsoft.com/office/powerpoint/2010/main" val="2624957822"/>
+        <p14:creationId xmlns:p14="http://schemas.microsoft.com/office/powerpoint/2010/main" val="3319397530"/>
       </p:ext>
     </p:extLst>
   </p:cSld>
@@ -3711,7 +3826,7 @@
     </p:spTree>
     <p:extLst>
       <p:ext uri="{BB962C8B-B14F-4D97-AF65-F5344CB8AC3E}">
-        <p14:creationId xmlns:p14="http://schemas.microsoft.com/office/powerpoint/2010/main" val="3170911259"/>
+        <p14:creationId xmlns:p14="http://schemas.microsoft.com/office/powerpoint/2010/main" val="4239359389"/>
       </p:ext>
     </p:extLst>
   </p:cSld>
@@ -3957,7 +4072,7 @@
     </p:spTree>
     <p:extLst>
       <p:ext uri="{BB962C8B-B14F-4D97-AF65-F5344CB8AC3E}">
-        <p14:creationId xmlns:p14="http://schemas.microsoft.com/office/powerpoint/2010/main" val="2667950642"/>
+        <p14:creationId xmlns:p14="http://schemas.microsoft.com/office/powerpoint/2010/main" val="3359966198"/>
       </p:ext>
     </p:extLst>
   </p:cSld>
@@ -4254,7 +4369,7 @@
     </p:spTree>
     <p:extLst>
       <p:ext uri="{BB962C8B-B14F-4D97-AF65-F5344CB8AC3E}">
-        <p14:creationId xmlns:p14="http://schemas.microsoft.com/office/powerpoint/2010/main" val="1264411204"/>
+        <p14:creationId xmlns:p14="http://schemas.microsoft.com/office/powerpoint/2010/main" val="2819643629"/>
       </p:ext>
     </p:extLst>
   </p:cSld>
@@ -4696,7 +4811,7 @@
     </p:spTree>
     <p:extLst>
       <p:ext uri="{BB962C8B-B14F-4D97-AF65-F5344CB8AC3E}">
-        <p14:creationId xmlns:p14="http://schemas.microsoft.com/office/powerpoint/2010/main" val="1760370877"/>
+        <p14:creationId xmlns:p14="http://schemas.microsoft.com/office/powerpoint/2010/main" val="3569928449"/>
       </p:ext>
     </p:extLst>
   </p:cSld>
@@ -4814,7 +4929,7 @@
     </p:spTree>
     <p:extLst>
       <p:ext uri="{BB962C8B-B14F-4D97-AF65-F5344CB8AC3E}">
-        <p14:creationId xmlns:p14="http://schemas.microsoft.com/office/powerpoint/2010/main" val="1294843343"/>
+        <p14:creationId xmlns:p14="http://schemas.microsoft.com/office/powerpoint/2010/main" val="4064141081"/>
       </p:ext>
     </p:extLst>
   </p:cSld>
@@ -4909,7 +5024,7 @@
     </p:spTree>
     <p:extLst>
       <p:ext uri="{BB962C8B-B14F-4D97-AF65-F5344CB8AC3E}">
-        <p14:creationId xmlns:p14="http://schemas.microsoft.com/office/powerpoint/2010/main" val="310067216"/>
+        <p14:creationId xmlns:p14="http://schemas.microsoft.com/office/powerpoint/2010/main" val="1521223304"/>
       </p:ext>
     </p:extLst>
   </p:cSld>
@@ -5192,7 +5307,7 @@
     </p:spTree>
     <p:extLst>
       <p:ext uri="{BB962C8B-B14F-4D97-AF65-F5344CB8AC3E}">
-        <p14:creationId xmlns:p14="http://schemas.microsoft.com/office/powerpoint/2010/main" val="3829806584"/>
+        <p14:creationId xmlns:p14="http://schemas.microsoft.com/office/powerpoint/2010/main" val="3940581742"/>
       </p:ext>
     </p:extLst>
   </p:cSld>
@@ -5483,7 +5598,7 @@
     </p:spTree>
     <p:extLst>
       <p:ext uri="{BB962C8B-B14F-4D97-AF65-F5344CB8AC3E}">
-        <p14:creationId xmlns:p14="http://schemas.microsoft.com/office/powerpoint/2010/main" val="2791785835"/>
+        <p14:creationId xmlns:p14="http://schemas.microsoft.com/office/powerpoint/2010/main" val="3579057494"/>
       </p:ext>
     </p:extLst>
   </p:cSld>
@@ -6049,29 +6164,29 @@
     </p:spTree>
     <p:extLst>
       <p:ext uri="{BB962C8B-B14F-4D97-AF65-F5344CB8AC3E}">
-        <p14:creationId xmlns:p14="http://schemas.microsoft.com/office/powerpoint/2010/main" val="2361745340"/>
+        <p14:creationId xmlns:p14="http://schemas.microsoft.com/office/powerpoint/2010/main" val="2919410424"/>
       </p:ext>
     </p:extLst>
   </p:cSld>
   <p:clrMap bg1="lt1" tx1="dk1" bg2="lt2" tx2="dk2" accent1="accent1" accent2="accent2" accent3="accent3" accent4="accent4" accent5="accent5" accent6="accent6" hlink="hlink" folHlink="folHlink"/>
   <p:sldLayoutIdLst>
-    <p:sldLayoutId id="2147483661" r:id="rId1"/>
-    <p:sldLayoutId id="2147483662" r:id="rId2"/>
-    <p:sldLayoutId id="2147483663" r:id="rId3"/>
-    <p:sldLayoutId id="2147483664" r:id="rId4"/>
-    <p:sldLayoutId id="2147483665" r:id="rId5"/>
-    <p:sldLayoutId id="2147483666" r:id="rId6"/>
-    <p:sldLayoutId id="2147483667" r:id="rId7"/>
-    <p:sldLayoutId id="2147483668" r:id="rId8"/>
-    <p:sldLayoutId id="2147483669" r:id="rId9"/>
-    <p:sldLayoutId id="2147483670" r:id="rId10"/>
-    <p:sldLayoutId id="2147483671" r:id="rId11"/>
-    <p:sldLayoutId id="2147483672" r:id="rId12"/>
-    <p:sldLayoutId id="2147483673" r:id="rId13"/>
-    <p:sldLayoutId id="2147483674" r:id="rId14"/>
-    <p:sldLayoutId id="2147483675" r:id="rId15"/>
-    <p:sldLayoutId id="2147483676" r:id="rId16"/>
-    <p:sldLayoutId id="2147483677" r:id="rId17"/>
+    <p:sldLayoutId id="2147483679" r:id="rId1"/>
+    <p:sldLayoutId id="2147483680" r:id="rId2"/>
+    <p:sldLayoutId id="2147483681" r:id="rId3"/>
+    <p:sldLayoutId id="2147483682" r:id="rId4"/>
+    <p:sldLayoutId id="2147483683" r:id="rId5"/>
+    <p:sldLayoutId id="2147483684" r:id="rId6"/>
+    <p:sldLayoutId id="2147483685" r:id="rId7"/>
+    <p:sldLayoutId id="2147483686" r:id="rId8"/>
+    <p:sldLayoutId id="2147483687" r:id="rId9"/>
+    <p:sldLayoutId id="2147483688" r:id="rId10"/>
+    <p:sldLayoutId id="2147483689" r:id="rId11"/>
+    <p:sldLayoutId id="2147483690" r:id="rId12"/>
+    <p:sldLayoutId id="2147483691" r:id="rId13"/>
+    <p:sldLayoutId id="2147483692" r:id="rId14"/>
+    <p:sldLayoutId id="2147483693" r:id="rId15"/>
+    <p:sldLayoutId id="2147483694" r:id="rId16"/>
+    <p:sldLayoutId id="2147483695" r:id="rId17"/>
   </p:sldLayoutIdLst>
   <p:txStyles>
     <p:titleStyle>
@@ -6555,6 +6670,1705 @@
   <p:clrMapOvr>
     <a:masterClrMapping/>
   </p:clrMapOvr>
+  <p:timing>
+    <p:tnLst>
+      <p:par>
+        <p:cTn id="1" dur="indefinite" restart="never" nodeType="tmRoot"/>
+      </p:par>
+    </p:tnLst>
+  </p:timing>
+</p:sld>
+</file>
+
+<file path=ppt/slides/slide10.xml><?xml version="1.0" encoding="utf-8"?>
+<p:sld xmlns:a="http://schemas.openxmlformats.org/drawingml/2006/main" xmlns:r="http://schemas.openxmlformats.org/officeDocument/2006/relationships" xmlns:p="http://schemas.openxmlformats.org/presentationml/2006/main">
+  <p:cSld>
+    <p:spTree>
+      <p:nvGrpSpPr>
+        <p:cNvPr id="1" name=""/>
+        <p:cNvGrpSpPr/>
+        <p:nvPr/>
+      </p:nvGrpSpPr>
+      <p:grpSpPr>
+        <a:xfrm>
+          <a:off x="0" y="0"/>
+          <a:ext cx="0" cy="0"/>
+          <a:chOff x="0" y="0"/>
+          <a:chExt cx="0" cy="0"/>
+        </a:xfrm>
+      </p:grpSpPr>
+      <p:sp>
+        <p:nvSpPr>
+          <p:cNvPr id="2" name="Title 1"/>
+          <p:cNvSpPr>
+            <a:spLocks noGrp="1"/>
+          </p:cNvSpPr>
+          <p:nvPr>
+            <p:ph type="title"/>
+          </p:nvPr>
+        </p:nvSpPr>
+        <p:spPr/>
+        <p:txBody>
+          <a:bodyPr/>
+          <a:lstStyle/>
+          <a:p>
+            <a:r>
+              <a:rPr lang="en-US" dirty="0" smtClean="0"/>
+              <a:t>Variable and Method Naming</a:t>
+            </a:r>
+            <a:endParaRPr lang="en-US" dirty="0"/>
+          </a:p>
+        </p:txBody>
+      </p:sp>
+      <p:sp>
+        <p:nvSpPr>
+          <p:cNvPr id="3" name="Content Placeholder 2"/>
+          <p:cNvSpPr>
+            <a:spLocks noGrp="1"/>
+          </p:cNvSpPr>
+          <p:nvPr>
+            <p:ph idx="1"/>
+          </p:nvPr>
+        </p:nvSpPr>
+        <p:spPr/>
+        <p:txBody>
+          <a:bodyPr/>
+          <a:lstStyle/>
+          <a:p>
+            <a:r>
+              <a:rPr lang="en-US" dirty="0" smtClean="0"/>
+              <a:t>Similar to file naming</a:t>
+            </a:r>
+          </a:p>
+          <a:p>
+            <a:r>
+              <a:rPr lang="en-US" dirty="0" smtClean="0"/>
+              <a:t>Keep it concise and meaningful</a:t>
+            </a:r>
+          </a:p>
+          <a:p>
+            <a:r>
+              <a:rPr lang="en-US" dirty="0" smtClean="0"/>
+              <a:t>Should be related to function</a:t>
+            </a:r>
+          </a:p>
+        </p:txBody>
+      </p:sp>
+    </p:spTree>
+    <p:extLst>
+      <p:ext uri="{BB962C8B-B14F-4D97-AF65-F5344CB8AC3E}">
+        <p14:creationId xmlns:p14="http://schemas.microsoft.com/office/powerpoint/2010/main" val="599079907"/>
+      </p:ext>
+    </p:extLst>
+  </p:cSld>
+  <p:clrMapOvr>
+    <a:masterClrMapping/>
+  </p:clrMapOvr>
+  <p:timing>
+    <p:tnLst>
+      <p:par>
+        <p:cTn id="1" dur="indefinite" restart="never" nodeType="tmRoot"/>
+      </p:par>
+    </p:tnLst>
+  </p:timing>
+</p:sld>
+</file>
+
+<file path=ppt/slides/slide11.xml><?xml version="1.0" encoding="utf-8"?>
+<p:sld xmlns:a="http://schemas.openxmlformats.org/drawingml/2006/main" xmlns:r="http://schemas.openxmlformats.org/officeDocument/2006/relationships" xmlns:p="http://schemas.openxmlformats.org/presentationml/2006/main">
+  <p:cSld>
+    <p:spTree>
+      <p:nvGrpSpPr>
+        <p:cNvPr id="1" name=""/>
+        <p:cNvGrpSpPr/>
+        <p:nvPr/>
+      </p:nvGrpSpPr>
+      <p:grpSpPr>
+        <a:xfrm>
+          <a:off x="0" y="0"/>
+          <a:ext cx="0" cy="0"/>
+          <a:chOff x="0" y="0"/>
+          <a:chExt cx="0" cy="0"/>
+        </a:xfrm>
+      </p:grpSpPr>
+      <p:pic>
+        <p:nvPicPr>
+          <p:cNvPr id="5" name="Picture 4"/>
+          <p:cNvPicPr>
+            <a:picLocks noChangeAspect="1"/>
+          </p:cNvPicPr>
+          <p:nvPr/>
+        </p:nvPicPr>
+        <p:blipFill>
+          <a:blip r:embed="rId2"/>
+          <a:stretch>
+            <a:fillRect/>
+          </a:stretch>
+        </p:blipFill>
+        <p:spPr>
+          <a:xfrm>
+            <a:off x="2255520" y="978626"/>
+            <a:ext cx="7839075" cy="4953000"/>
+          </a:xfrm>
+          <a:prstGeom prst="rect">
+            <a:avLst/>
+          </a:prstGeom>
+        </p:spPr>
+      </p:pic>
+      <p:sp>
+        <p:nvSpPr>
+          <p:cNvPr id="6" name="Oval 5"/>
+          <p:cNvSpPr/>
+          <p:nvPr/>
+        </p:nvSpPr>
+        <p:spPr>
+          <a:xfrm>
+            <a:off x="2420982" y="2081349"/>
+            <a:ext cx="3553097" cy="243840"/>
+          </a:xfrm>
+          <a:prstGeom prst="ellipse">
+            <a:avLst/>
+          </a:prstGeom>
+          <a:noFill/>
+          <a:ln w="38100">
+            <a:solidFill>
+              <a:srgbClr val="FF0000"/>
+            </a:solidFill>
+          </a:ln>
+        </p:spPr>
+        <p:style>
+          <a:lnRef idx="2">
+            <a:schemeClr val="accent4"/>
+          </a:lnRef>
+          <a:fillRef idx="1">
+            <a:schemeClr val="lt1"/>
+          </a:fillRef>
+          <a:effectRef idx="0">
+            <a:schemeClr val="accent4"/>
+          </a:effectRef>
+          <a:fontRef idx="minor">
+            <a:schemeClr val="dk1"/>
+          </a:fontRef>
+        </p:style>
+        <p:txBody>
+          <a:bodyPr rtlCol="0" anchor="ctr"/>
+          <a:lstStyle/>
+          <a:p>
+            <a:pPr algn="ctr"/>
+            <a:endParaRPr lang="en-US"/>
+          </a:p>
+        </p:txBody>
+      </p:sp>
+      <p:sp>
+        <p:nvSpPr>
+          <p:cNvPr id="8" name="TextBox 7"/>
+          <p:cNvSpPr txBox="1"/>
+          <p:nvPr/>
+        </p:nvSpPr>
+        <p:spPr>
+          <a:xfrm>
+            <a:off x="6015989" y="2018603"/>
+            <a:ext cx="6138864" cy="369332"/>
+          </a:xfrm>
+          <a:prstGeom prst="rect">
+            <a:avLst/>
+          </a:prstGeom>
+          <a:noFill/>
+        </p:spPr>
+        <p:txBody>
+          <a:bodyPr wrap="square" rtlCol="0">
+            <a:spAutoFit/>
+          </a:bodyPr>
+          <a:lstStyle/>
+          <a:p>
+            <a:r>
+              <a:rPr lang="en-US" dirty="0" smtClean="0"/>
+              <a:t>Lack of consistency in inline declarations is confusing</a:t>
+            </a:r>
+            <a:endParaRPr lang="en-US" dirty="0"/>
+          </a:p>
+        </p:txBody>
+      </p:sp>
+      <p:cxnSp>
+        <p:nvCxnSpPr>
+          <p:cNvPr id="15" name="Straight Arrow Connector 14"/>
+          <p:cNvCxnSpPr/>
+          <p:nvPr/>
+        </p:nvCxnSpPr>
+        <p:spPr>
+          <a:xfrm flipH="1" flipV="1">
+            <a:off x="4197531" y="2387935"/>
+            <a:ext cx="1818458" cy="607814"/>
+          </a:xfrm>
+          <a:prstGeom prst="straightConnector1">
+            <a:avLst/>
+          </a:prstGeom>
+          <a:ln w="38100">
+            <a:solidFill>
+              <a:srgbClr val="FF0000"/>
+            </a:solidFill>
+            <a:tailEnd type="triangle"/>
+          </a:ln>
+        </p:spPr>
+        <p:style>
+          <a:lnRef idx="1">
+            <a:schemeClr val="accent1"/>
+          </a:lnRef>
+          <a:fillRef idx="0">
+            <a:schemeClr val="accent1"/>
+          </a:fillRef>
+          <a:effectRef idx="0">
+            <a:schemeClr val="accent1"/>
+          </a:effectRef>
+          <a:fontRef idx="minor">
+            <a:schemeClr val="tx1"/>
+          </a:fontRef>
+        </p:style>
+      </p:cxnSp>
+      <p:sp>
+        <p:nvSpPr>
+          <p:cNvPr id="18" name="TextBox 17"/>
+          <p:cNvSpPr txBox="1"/>
+          <p:nvPr/>
+        </p:nvSpPr>
+        <p:spPr>
+          <a:xfrm>
+            <a:off x="5995034" y="2809519"/>
+            <a:ext cx="6138864" cy="369332"/>
+          </a:xfrm>
+          <a:prstGeom prst="rect">
+            <a:avLst/>
+          </a:prstGeom>
+          <a:noFill/>
+        </p:spPr>
+        <p:txBody>
+          <a:bodyPr wrap="square" rtlCol="0">
+            <a:spAutoFit/>
+          </a:bodyPr>
+          <a:lstStyle/>
+          <a:p>
+            <a:r>
+              <a:rPr lang="en-US" dirty="0" smtClean="0"/>
+              <a:t>Inconsistent variable name</a:t>
+            </a:r>
+            <a:endParaRPr lang="en-US" dirty="0"/>
+          </a:p>
+        </p:txBody>
+      </p:sp>
+      <p:cxnSp>
+        <p:nvCxnSpPr>
+          <p:cNvPr id="19" name="Straight Arrow Connector 18"/>
+          <p:cNvCxnSpPr/>
+          <p:nvPr/>
+        </p:nvCxnSpPr>
+        <p:spPr>
+          <a:xfrm flipH="1">
+            <a:off x="5486400" y="3797244"/>
+            <a:ext cx="529589" cy="42168"/>
+          </a:xfrm>
+          <a:prstGeom prst="straightConnector1">
+            <a:avLst/>
+          </a:prstGeom>
+          <a:ln w="38100">
+            <a:solidFill>
+              <a:srgbClr val="FF0000"/>
+            </a:solidFill>
+            <a:tailEnd type="triangle"/>
+          </a:ln>
+        </p:spPr>
+        <p:style>
+          <a:lnRef idx="1">
+            <a:schemeClr val="accent1"/>
+          </a:lnRef>
+          <a:fillRef idx="0">
+            <a:schemeClr val="accent1"/>
+          </a:fillRef>
+          <a:effectRef idx="0">
+            <a:schemeClr val="accent1"/>
+          </a:effectRef>
+          <a:fontRef idx="minor">
+            <a:schemeClr val="tx1"/>
+          </a:fontRef>
+        </p:style>
+      </p:cxnSp>
+      <p:cxnSp>
+        <p:nvCxnSpPr>
+          <p:cNvPr id="22" name="Straight Arrow Connector 21"/>
+          <p:cNvCxnSpPr/>
+          <p:nvPr/>
+        </p:nvCxnSpPr>
+        <p:spPr>
+          <a:xfrm flipH="1">
+            <a:off x="4693921" y="3910149"/>
+            <a:ext cx="1301113" cy="102220"/>
+          </a:xfrm>
+          <a:prstGeom prst="straightConnector1">
+            <a:avLst/>
+          </a:prstGeom>
+          <a:ln w="38100">
+            <a:solidFill>
+              <a:srgbClr val="FF0000"/>
+            </a:solidFill>
+            <a:tailEnd type="triangle"/>
+          </a:ln>
+        </p:spPr>
+        <p:style>
+          <a:lnRef idx="1">
+            <a:schemeClr val="accent1"/>
+          </a:lnRef>
+          <a:fillRef idx="0">
+            <a:schemeClr val="accent1"/>
+          </a:fillRef>
+          <a:effectRef idx="0">
+            <a:schemeClr val="accent1"/>
+          </a:effectRef>
+          <a:fontRef idx="minor">
+            <a:schemeClr val="tx1"/>
+          </a:fontRef>
+        </p:style>
+      </p:cxnSp>
+      <p:sp>
+        <p:nvSpPr>
+          <p:cNvPr id="26" name="TextBox 25"/>
+          <p:cNvSpPr txBox="1"/>
+          <p:nvPr/>
+        </p:nvSpPr>
+        <p:spPr>
+          <a:xfrm>
+            <a:off x="6015989" y="3671207"/>
+            <a:ext cx="6138864" cy="369332"/>
+          </a:xfrm>
+          <a:prstGeom prst="rect">
+            <a:avLst/>
+          </a:prstGeom>
+          <a:noFill/>
+        </p:spPr>
+        <p:txBody>
+          <a:bodyPr wrap="square" rtlCol="0">
+            <a:spAutoFit/>
+          </a:bodyPr>
+          <a:lstStyle/>
+          <a:p>
+            <a:r>
+              <a:rPr lang="en-US" dirty="0" smtClean="0"/>
+              <a:t>Value used twice should be assigned to separate variable</a:t>
+            </a:r>
+            <a:endParaRPr lang="en-US" dirty="0"/>
+          </a:p>
+        </p:txBody>
+      </p:sp>
+      <p:cxnSp>
+        <p:nvCxnSpPr>
+          <p:cNvPr id="28" name="Straight Arrow Connector 27"/>
+          <p:cNvCxnSpPr/>
+          <p:nvPr/>
+        </p:nvCxnSpPr>
+        <p:spPr>
+          <a:xfrm flipH="1">
+            <a:off x="4036423" y="4297987"/>
+            <a:ext cx="529589" cy="42168"/>
+          </a:xfrm>
+          <a:prstGeom prst="straightConnector1">
+            <a:avLst/>
+          </a:prstGeom>
+          <a:ln w="38100">
+            <a:solidFill>
+              <a:srgbClr val="FF0000"/>
+            </a:solidFill>
+            <a:tailEnd type="triangle"/>
+          </a:ln>
+        </p:spPr>
+        <p:style>
+          <a:lnRef idx="1">
+            <a:schemeClr val="accent1"/>
+          </a:lnRef>
+          <a:fillRef idx="0">
+            <a:schemeClr val="accent1"/>
+          </a:fillRef>
+          <a:effectRef idx="0">
+            <a:schemeClr val="accent1"/>
+          </a:effectRef>
+          <a:fontRef idx="minor">
+            <a:schemeClr val="tx1"/>
+          </a:fontRef>
+        </p:style>
+      </p:cxnSp>
+      <p:sp>
+        <p:nvSpPr>
+          <p:cNvPr id="29" name="TextBox 28"/>
+          <p:cNvSpPr txBox="1"/>
+          <p:nvPr/>
+        </p:nvSpPr>
+        <p:spPr>
+          <a:xfrm>
+            <a:off x="4566012" y="4166576"/>
+            <a:ext cx="7567886" cy="369332"/>
+          </a:xfrm>
+          <a:prstGeom prst="rect">
+            <a:avLst/>
+          </a:prstGeom>
+          <a:noFill/>
+        </p:spPr>
+        <p:txBody>
+          <a:bodyPr wrap="square" rtlCol="0">
+            <a:spAutoFit/>
+          </a:bodyPr>
+          <a:lstStyle/>
+          <a:p>
+            <a:r>
+              <a:rPr lang="en-US" dirty="0" smtClean="0"/>
+              <a:t>‘on’ variables are used to store both input and results - inconsistent</a:t>
+            </a:r>
+            <a:endParaRPr lang="en-US" dirty="0"/>
+          </a:p>
+        </p:txBody>
+      </p:sp>
+      <p:cxnSp>
+        <p:nvCxnSpPr>
+          <p:cNvPr id="30" name="Straight Arrow Connector 29"/>
+          <p:cNvCxnSpPr/>
+          <p:nvPr/>
+        </p:nvCxnSpPr>
+        <p:spPr>
+          <a:xfrm flipH="1" flipV="1">
+            <a:off x="3762103" y="5114806"/>
+            <a:ext cx="1068704" cy="389318"/>
+          </a:xfrm>
+          <a:prstGeom prst="straightConnector1">
+            <a:avLst/>
+          </a:prstGeom>
+          <a:ln w="38100">
+            <a:solidFill>
+              <a:srgbClr val="FF0000"/>
+            </a:solidFill>
+            <a:tailEnd type="triangle"/>
+          </a:ln>
+        </p:spPr>
+        <p:style>
+          <a:lnRef idx="1">
+            <a:schemeClr val="accent1"/>
+          </a:lnRef>
+          <a:fillRef idx="0">
+            <a:schemeClr val="accent1"/>
+          </a:fillRef>
+          <a:effectRef idx="0">
+            <a:schemeClr val="accent1"/>
+          </a:effectRef>
+          <a:fontRef idx="minor">
+            <a:schemeClr val="tx1"/>
+          </a:fontRef>
+        </p:style>
+      </p:cxnSp>
+      <p:cxnSp>
+        <p:nvCxnSpPr>
+          <p:cNvPr id="32" name="Straight Arrow Connector 31"/>
+          <p:cNvCxnSpPr/>
+          <p:nvPr/>
+        </p:nvCxnSpPr>
+        <p:spPr>
+          <a:xfrm flipH="1" flipV="1">
+            <a:off x="4566013" y="5114806"/>
+            <a:ext cx="264794" cy="389318"/>
+          </a:xfrm>
+          <a:prstGeom prst="straightConnector1">
+            <a:avLst/>
+          </a:prstGeom>
+          <a:ln w="38100">
+            <a:solidFill>
+              <a:srgbClr val="FF0000"/>
+            </a:solidFill>
+            <a:tailEnd type="triangle"/>
+          </a:ln>
+        </p:spPr>
+        <p:style>
+          <a:lnRef idx="1">
+            <a:schemeClr val="accent1"/>
+          </a:lnRef>
+          <a:fillRef idx="0">
+            <a:schemeClr val="accent1"/>
+          </a:fillRef>
+          <a:effectRef idx="0">
+            <a:schemeClr val="accent1"/>
+          </a:effectRef>
+          <a:fontRef idx="minor">
+            <a:schemeClr val="tx1"/>
+          </a:fontRef>
+        </p:style>
+      </p:cxnSp>
+      <p:cxnSp>
+        <p:nvCxnSpPr>
+          <p:cNvPr id="35" name="Straight Arrow Connector 34"/>
+          <p:cNvCxnSpPr/>
+          <p:nvPr/>
+        </p:nvCxnSpPr>
+        <p:spPr>
+          <a:xfrm flipV="1">
+            <a:off x="4830807" y="5114806"/>
+            <a:ext cx="655593" cy="389318"/>
+          </a:xfrm>
+          <a:prstGeom prst="straightConnector1">
+            <a:avLst/>
+          </a:prstGeom>
+          <a:ln w="38100">
+            <a:solidFill>
+              <a:srgbClr val="FF0000"/>
+            </a:solidFill>
+            <a:tailEnd type="triangle"/>
+          </a:ln>
+        </p:spPr>
+        <p:style>
+          <a:lnRef idx="1">
+            <a:schemeClr val="accent1"/>
+          </a:lnRef>
+          <a:fillRef idx="0">
+            <a:schemeClr val="accent1"/>
+          </a:fillRef>
+          <a:effectRef idx="0">
+            <a:schemeClr val="accent1"/>
+          </a:effectRef>
+          <a:fontRef idx="minor">
+            <a:schemeClr val="tx1"/>
+          </a:fontRef>
+        </p:style>
+      </p:cxnSp>
+      <p:sp>
+        <p:nvSpPr>
+          <p:cNvPr id="38" name="TextBox 37"/>
+          <p:cNvSpPr txBox="1"/>
+          <p:nvPr/>
+        </p:nvSpPr>
+        <p:spPr>
+          <a:xfrm>
+            <a:off x="3830138" y="5483833"/>
+            <a:ext cx="2185851" cy="369332"/>
+          </a:xfrm>
+          <a:prstGeom prst="rect">
+            <a:avLst/>
+          </a:prstGeom>
+          <a:noFill/>
+        </p:spPr>
+        <p:txBody>
+          <a:bodyPr wrap="square" rtlCol="0">
+            <a:spAutoFit/>
+          </a:bodyPr>
+          <a:lstStyle/>
+          <a:p>
+            <a:r>
+              <a:rPr lang="en-US" dirty="0" smtClean="0"/>
+              <a:t>Undescriptive names</a:t>
+            </a:r>
+            <a:endParaRPr lang="en-US" dirty="0"/>
+          </a:p>
+        </p:txBody>
+      </p:sp>
+    </p:spTree>
+    <p:extLst>
+      <p:ext uri="{BB962C8B-B14F-4D97-AF65-F5344CB8AC3E}">
+        <p14:creationId xmlns:p14="http://schemas.microsoft.com/office/powerpoint/2010/main" val="4235016654"/>
+      </p:ext>
+    </p:extLst>
+  </p:cSld>
+  <p:clrMapOvr>
+    <a:masterClrMapping/>
+  </p:clrMapOvr>
+  <p:timing>
+    <p:tnLst>
+      <p:par>
+        <p:cTn id="1" dur="indefinite" restart="never" nodeType="tmRoot"/>
+      </p:par>
+    </p:tnLst>
+  </p:timing>
+</p:sld>
+</file>
+
+<file path=ppt/slides/slide12.xml><?xml version="1.0" encoding="utf-8"?>
+<p:sld xmlns:a="http://schemas.openxmlformats.org/drawingml/2006/main" xmlns:r="http://schemas.openxmlformats.org/officeDocument/2006/relationships" xmlns:p="http://schemas.openxmlformats.org/presentationml/2006/main">
+  <p:cSld>
+    <p:spTree>
+      <p:nvGrpSpPr>
+        <p:cNvPr id="1" name=""/>
+        <p:cNvGrpSpPr/>
+        <p:nvPr/>
+      </p:nvGrpSpPr>
+      <p:grpSpPr>
+        <a:xfrm>
+          <a:off x="0" y="0"/>
+          <a:ext cx="0" cy="0"/>
+          <a:chOff x="0" y="0"/>
+          <a:chExt cx="0" cy="0"/>
+        </a:xfrm>
+      </p:grpSpPr>
+      <p:pic>
+        <p:nvPicPr>
+          <p:cNvPr id="1026" name="Picture 2" descr="http://puu.sh/kWiAk/2cdcd02d38.png/"/>
+          <p:cNvPicPr>
+            <a:picLocks noChangeAspect="1" noChangeArrowheads="1"/>
+          </p:cNvPicPr>
+          <p:nvPr/>
+        </p:nvPicPr>
+        <p:blipFill>
+          <a:blip r:embed="rId2">
+            <a:extLst>
+              <a:ext uri="{28A0092B-C50C-407E-A947-70E740481C1C}">
+                <a14:useLocalDpi xmlns:a14="http://schemas.microsoft.com/office/drawing/2010/main" val="0"/>
+              </a:ext>
+            </a:extLst>
+          </a:blip>
+          <a:srcRect/>
+          <a:stretch>
+            <a:fillRect/>
+          </a:stretch>
+        </p:blipFill>
+        <p:spPr bwMode="auto">
+          <a:xfrm>
+            <a:off x="1954879" y="252617"/>
+            <a:ext cx="8105775" cy="6048376"/>
+          </a:xfrm>
+          <a:prstGeom prst="rect">
+            <a:avLst/>
+          </a:prstGeom>
+          <a:noFill/>
+          <a:extLst>
+            <a:ext uri="{909E8E84-426E-40DD-AFC4-6F175D3DCCD1}">
+              <a14:hiddenFill xmlns:a14="http://schemas.microsoft.com/office/drawing/2010/main">
+                <a:solidFill>
+                  <a:srgbClr val="FFFFFF"/>
+                </a:solidFill>
+              </a14:hiddenFill>
+            </a:ext>
+          </a:extLst>
+        </p:spPr>
+      </p:pic>
+      <p:sp>
+        <p:nvSpPr>
+          <p:cNvPr id="3" name="Oval 2"/>
+          <p:cNvSpPr/>
+          <p:nvPr/>
+        </p:nvSpPr>
+        <p:spPr>
+          <a:xfrm>
+            <a:off x="2200275" y="1276350"/>
+            <a:ext cx="2190750" cy="533400"/>
+          </a:xfrm>
+          <a:prstGeom prst="ellipse">
+            <a:avLst/>
+          </a:prstGeom>
+          <a:noFill/>
+          <a:ln>
+            <a:solidFill>
+              <a:srgbClr val="FF0000"/>
+            </a:solidFill>
+          </a:ln>
+        </p:spPr>
+        <p:style>
+          <a:lnRef idx="2">
+            <a:schemeClr val="accent1">
+              <a:shade val="50000"/>
+            </a:schemeClr>
+          </a:lnRef>
+          <a:fillRef idx="1">
+            <a:schemeClr val="accent1"/>
+          </a:fillRef>
+          <a:effectRef idx="0">
+            <a:schemeClr val="accent1"/>
+          </a:effectRef>
+          <a:fontRef idx="minor">
+            <a:schemeClr val="lt1"/>
+          </a:fontRef>
+        </p:style>
+        <p:txBody>
+          <a:bodyPr rtlCol="0" anchor="ctr"/>
+          <a:lstStyle/>
+          <a:p>
+            <a:pPr algn="ctr"/>
+            <a:endParaRPr lang="en-US"/>
+          </a:p>
+        </p:txBody>
+      </p:sp>
+      <p:sp>
+        <p:nvSpPr>
+          <p:cNvPr id="5" name="Oval 4"/>
+          <p:cNvSpPr/>
+          <p:nvPr/>
+        </p:nvSpPr>
+        <p:spPr>
+          <a:xfrm>
+            <a:off x="2285999" y="3010105"/>
+            <a:ext cx="2505075" cy="533400"/>
+          </a:xfrm>
+          <a:prstGeom prst="ellipse">
+            <a:avLst/>
+          </a:prstGeom>
+          <a:noFill/>
+          <a:ln>
+            <a:solidFill>
+              <a:srgbClr val="FF0000"/>
+            </a:solidFill>
+          </a:ln>
+        </p:spPr>
+        <p:style>
+          <a:lnRef idx="2">
+            <a:schemeClr val="accent1">
+              <a:shade val="50000"/>
+            </a:schemeClr>
+          </a:lnRef>
+          <a:fillRef idx="1">
+            <a:schemeClr val="accent1"/>
+          </a:fillRef>
+          <a:effectRef idx="0">
+            <a:schemeClr val="accent1"/>
+          </a:effectRef>
+          <a:fontRef idx="minor">
+            <a:schemeClr val="lt1"/>
+          </a:fontRef>
+        </p:style>
+        <p:txBody>
+          <a:bodyPr rtlCol="0" anchor="ctr"/>
+          <a:lstStyle/>
+          <a:p>
+            <a:pPr algn="ctr"/>
+            <a:endParaRPr lang="en-US"/>
+          </a:p>
+        </p:txBody>
+      </p:sp>
+      <p:sp>
+        <p:nvSpPr>
+          <p:cNvPr id="6" name="TextBox 5"/>
+          <p:cNvSpPr txBox="1"/>
+          <p:nvPr/>
+        </p:nvSpPr>
+        <p:spPr>
+          <a:xfrm>
+            <a:off x="4391025" y="1358384"/>
+            <a:ext cx="6611303" cy="369332"/>
+          </a:xfrm>
+          <a:prstGeom prst="rect">
+            <a:avLst/>
+          </a:prstGeom>
+          <a:noFill/>
+        </p:spPr>
+        <p:txBody>
+          <a:bodyPr wrap="square" rtlCol="0">
+            <a:spAutoFit/>
+          </a:bodyPr>
+          <a:lstStyle/>
+          <a:p>
+            <a:r>
+              <a:rPr lang="en-US" dirty="0" smtClean="0"/>
+              <a:t>Arrays make inline declarations of related variables more concise</a:t>
+            </a:r>
+            <a:endParaRPr lang="en-US" dirty="0"/>
+          </a:p>
+        </p:txBody>
+      </p:sp>
+      <p:sp>
+        <p:nvSpPr>
+          <p:cNvPr id="7" name="TextBox 6"/>
+          <p:cNvSpPr txBox="1"/>
+          <p:nvPr/>
+        </p:nvSpPr>
+        <p:spPr>
+          <a:xfrm>
+            <a:off x="4791074" y="3174173"/>
+            <a:ext cx="6611303" cy="369332"/>
+          </a:xfrm>
+          <a:prstGeom prst="rect">
+            <a:avLst/>
+          </a:prstGeom>
+          <a:noFill/>
+        </p:spPr>
+        <p:txBody>
+          <a:bodyPr wrap="square" rtlCol="0">
+            <a:spAutoFit/>
+          </a:bodyPr>
+          <a:lstStyle/>
+          <a:p>
+            <a:r>
+              <a:rPr lang="en-US" dirty="0" smtClean="0"/>
+              <a:t>Use your </a:t>
+            </a:r>
+            <a:r>
+              <a:rPr lang="en-US" i="1" dirty="0" smtClean="0"/>
+              <a:t>for</a:t>
+            </a:r>
+            <a:r>
+              <a:rPr lang="en-US" dirty="0" smtClean="0"/>
+              <a:t> loops!</a:t>
+            </a:r>
+            <a:endParaRPr lang="en-US" dirty="0"/>
+          </a:p>
+        </p:txBody>
+      </p:sp>
+      <p:sp>
+        <p:nvSpPr>
+          <p:cNvPr id="8" name="Oval 7"/>
+          <p:cNvSpPr/>
+          <p:nvPr/>
+        </p:nvSpPr>
+        <p:spPr>
+          <a:xfrm>
+            <a:off x="2285999" y="4896055"/>
+            <a:ext cx="3562351" cy="533400"/>
+          </a:xfrm>
+          <a:prstGeom prst="ellipse">
+            <a:avLst/>
+          </a:prstGeom>
+          <a:noFill/>
+          <a:ln>
+            <a:solidFill>
+              <a:srgbClr val="FF0000"/>
+            </a:solidFill>
+          </a:ln>
+        </p:spPr>
+        <p:style>
+          <a:lnRef idx="2">
+            <a:schemeClr val="accent1">
+              <a:shade val="50000"/>
+            </a:schemeClr>
+          </a:lnRef>
+          <a:fillRef idx="1">
+            <a:schemeClr val="accent1"/>
+          </a:fillRef>
+          <a:effectRef idx="0">
+            <a:schemeClr val="accent1"/>
+          </a:effectRef>
+          <a:fontRef idx="minor">
+            <a:schemeClr val="lt1"/>
+          </a:fontRef>
+        </p:style>
+        <p:txBody>
+          <a:bodyPr rtlCol="0" anchor="ctr"/>
+          <a:lstStyle/>
+          <a:p>
+            <a:pPr algn="ctr"/>
+            <a:endParaRPr lang="en-US"/>
+          </a:p>
+        </p:txBody>
+      </p:sp>
+      <p:sp>
+        <p:nvSpPr>
+          <p:cNvPr id="9" name="TextBox 8"/>
+          <p:cNvSpPr txBox="1"/>
+          <p:nvPr/>
+        </p:nvSpPr>
+        <p:spPr>
+          <a:xfrm>
+            <a:off x="5848351" y="4978089"/>
+            <a:ext cx="3238500" cy="369332"/>
+          </a:xfrm>
+          <a:prstGeom prst="rect">
+            <a:avLst/>
+          </a:prstGeom>
+          <a:noFill/>
+        </p:spPr>
+        <p:txBody>
+          <a:bodyPr wrap="square" rtlCol="0">
+            <a:spAutoFit/>
+          </a:bodyPr>
+          <a:lstStyle/>
+          <a:p>
+            <a:r>
+              <a:rPr lang="en-US" dirty="0" smtClean="0"/>
+              <a:t>Name now describes function</a:t>
+            </a:r>
+            <a:endParaRPr lang="en-US" dirty="0"/>
+          </a:p>
+        </p:txBody>
+      </p:sp>
+    </p:spTree>
+    <p:extLst>
+      <p:ext uri="{BB962C8B-B14F-4D97-AF65-F5344CB8AC3E}">
+        <p14:creationId xmlns:p14="http://schemas.microsoft.com/office/powerpoint/2010/main" val="2486154322"/>
+      </p:ext>
+    </p:extLst>
+  </p:cSld>
+  <p:clrMapOvr>
+    <a:masterClrMapping/>
+  </p:clrMapOvr>
+  <p:timing>
+    <p:tnLst>
+      <p:par>
+        <p:cTn id="1" dur="indefinite" restart="never" nodeType="tmRoot"/>
+      </p:par>
+    </p:tnLst>
+  </p:timing>
+</p:sld>
+</file>
+
+<file path=ppt/slides/slide13.xml><?xml version="1.0" encoding="utf-8"?>
+<p:sld xmlns:a="http://schemas.openxmlformats.org/drawingml/2006/main" xmlns:r="http://schemas.openxmlformats.org/officeDocument/2006/relationships" xmlns:p="http://schemas.openxmlformats.org/presentationml/2006/main">
+  <p:cSld>
+    <p:spTree>
+      <p:nvGrpSpPr>
+        <p:cNvPr id="1" name=""/>
+        <p:cNvGrpSpPr/>
+        <p:nvPr/>
+      </p:nvGrpSpPr>
+      <p:grpSpPr>
+        <a:xfrm>
+          <a:off x="0" y="0"/>
+          <a:ext cx="0" cy="0"/>
+          <a:chOff x="0" y="0"/>
+          <a:chExt cx="0" cy="0"/>
+        </a:xfrm>
+      </p:grpSpPr>
+      <p:sp>
+        <p:nvSpPr>
+          <p:cNvPr id="4" name="Title 3"/>
+          <p:cNvSpPr>
+            <a:spLocks noGrp="1"/>
+          </p:cNvSpPr>
+          <p:nvPr>
+            <p:ph type="title"/>
+          </p:nvPr>
+        </p:nvSpPr>
+        <p:spPr>
+          <a:xfrm>
+            <a:off x="1484311" y="2296891"/>
+            <a:ext cx="10018713" cy="1752599"/>
+          </a:xfrm>
+        </p:spPr>
+        <p:txBody>
+          <a:bodyPr/>
+          <a:lstStyle/>
+          <a:p>
+            <a:r>
+              <a:rPr lang="en-US" dirty="0" smtClean="0"/>
+              <a:t>A name can make all the difference. </a:t>
+            </a:r>
+            <a:br>
+              <a:rPr lang="en-US" dirty="0" smtClean="0"/>
+            </a:br>
+            <a:r>
+              <a:rPr lang="en-US" dirty="0" smtClean="0"/>
+              <a:t>Choose wisely.</a:t>
+            </a:r>
+            <a:endParaRPr lang="en-US" dirty="0"/>
+          </a:p>
+        </p:txBody>
+      </p:sp>
+    </p:spTree>
+    <p:extLst>
+      <p:ext uri="{BB962C8B-B14F-4D97-AF65-F5344CB8AC3E}">
+        <p14:creationId xmlns:p14="http://schemas.microsoft.com/office/powerpoint/2010/main" val="2138586439"/>
+      </p:ext>
+    </p:extLst>
+  </p:cSld>
+  <p:clrMapOvr>
+    <a:masterClrMapping/>
+  </p:clrMapOvr>
+  <p:timing>
+    <p:tnLst>
+      <p:par>
+        <p:cTn id="1" dur="indefinite" restart="never" nodeType="tmRoot"/>
+      </p:par>
+    </p:tnLst>
+  </p:timing>
+</p:sld>
+</file>
+
+<file path=ppt/slides/slide14.xml><?xml version="1.0" encoding="utf-8"?>
+<p:sld xmlns:a="http://schemas.openxmlformats.org/drawingml/2006/main" xmlns:r="http://schemas.openxmlformats.org/officeDocument/2006/relationships" xmlns:p="http://schemas.openxmlformats.org/presentationml/2006/main">
+  <p:cSld>
+    <p:spTree>
+      <p:nvGrpSpPr>
+        <p:cNvPr id="1" name=""/>
+        <p:cNvGrpSpPr/>
+        <p:nvPr/>
+      </p:nvGrpSpPr>
+      <p:grpSpPr>
+        <a:xfrm>
+          <a:off x="0" y="0"/>
+          <a:ext cx="0" cy="0"/>
+          <a:chOff x="0" y="0"/>
+          <a:chExt cx="0" cy="0"/>
+        </a:xfrm>
+      </p:grpSpPr>
+      <p:sp>
+        <p:nvSpPr>
+          <p:cNvPr id="2" name="Title 1"/>
+          <p:cNvSpPr>
+            <a:spLocks noGrp="1"/>
+          </p:cNvSpPr>
+          <p:nvPr>
+            <p:ph type="title"/>
+          </p:nvPr>
+        </p:nvSpPr>
+        <p:spPr/>
+        <p:txBody>
+          <a:bodyPr/>
+          <a:lstStyle/>
+          <a:p>
+            <a:r>
+              <a:rPr lang="en-US" dirty="0" smtClean="0"/>
+              <a:t>Code Documentation</a:t>
+            </a:r>
+            <a:endParaRPr lang="en-US" dirty="0"/>
+          </a:p>
+        </p:txBody>
+      </p:sp>
+      <p:sp>
+        <p:nvSpPr>
+          <p:cNvPr id="3" name="Text Placeholder 2"/>
+          <p:cNvSpPr>
+            <a:spLocks noGrp="1"/>
+          </p:cNvSpPr>
+          <p:nvPr>
+            <p:ph type="body" idx="1"/>
+          </p:nvPr>
+        </p:nvSpPr>
+        <p:spPr/>
+        <p:txBody>
+          <a:bodyPr/>
+          <a:lstStyle/>
+          <a:p>
+            <a:r>
+              <a:rPr lang="en-US" dirty="0" smtClean="0"/>
+              <a:t>“Say, what’s this wall of text for again?” –You, revisiting an old project</a:t>
+            </a:r>
+            <a:endParaRPr lang="en-US" dirty="0"/>
+          </a:p>
+        </p:txBody>
+      </p:sp>
+    </p:spTree>
+    <p:extLst>
+      <p:ext uri="{BB962C8B-B14F-4D97-AF65-F5344CB8AC3E}">
+        <p14:creationId xmlns:p14="http://schemas.microsoft.com/office/powerpoint/2010/main" val="4085543517"/>
+      </p:ext>
+    </p:extLst>
+  </p:cSld>
+  <p:clrMapOvr>
+    <a:masterClrMapping/>
+  </p:clrMapOvr>
+  <p:timing>
+    <p:tnLst>
+      <p:par>
+        <p:cTn id="1" dur="indefinite" restart="never" nodeType="tmRoot"/>
+      </p:par>
+    </p:tnLst>
+  </p:timing>
+</p:sld>
+</file>
+
+<file path=ppt/slides/slide15.xml><?xml version="1.0" encoding="utf-8"?>
+<p:sld xmlns:a="http://schemas.openxmlformats.org/drawingml/2006/main" xmlns:r="http://schemas.openxmlformats.org/officeDocument/2006/relationships" xmlns:p="http://schemas.openxmlformats.org/presentationml/2006/main">
+  <p:cSld>
+    <p:spTree>
+      <p:nvGrpSpPr>
+        <p:cNvPr id="1" name=""/>
+        <p:cNvGrpSpPr/>
+        <p:nvPr/>
+      </p:nvGrpSpPr>
+      <p:grpSpPr>
+        <a:xfrm>
+          <a:off x="0" y="0"/>
+          <a:ext cx="0" cy="0"/>
+          <a:chOff x="0" y="0"/>
+          <a:chExt cx="0" cy="0"/>
+        </a:xfrm>
+      </p:grpSpPr>
+      <p:sp>
+        <p:nvSpPr>
+          <p:cNvPr id="2" name="Title 1"/>
+          <p:cNvSpPr>
+            <a:spLocks noGrp="1"/>
+          </p:cNvSpPr>
+          <p:nvPr>
+            <p:ph type="title"/>
+          </p:nvPr>
+        </p:nvSpPr>
+        <p:spPr/>
+        <p:txBody>
+          <a:bodyPr>
+            <a:noAutofit/>
+          </a:bodyPr>
+          <a:lstStyle/>
+          <a:p>
+            <a:r>
+              <a:rPr lang="en-US" sz="8000" dirty="0" smtClean="0"/>
+              <a:t>Comments</a:t>
+            </a:r>
+            <a:endParaRPr lang="en-US" sz="8000" dirty="0"/>
+          </a:p>
+        </p:txBody>
+      </p:sp>
+      <p:sp>
+        <p:nvSpPr>
+          <p:cNvPr id="3" name="Text Placeholder 2"/>
+          <p:cNvSpPr>
+            <a:spLocks noGrp="1"/>
+          </p:cNvSpPr>
+          <p:nvPr>
+            <p:ph type="body" idx="1"/>
+          </p:nvPr>
+        </p:nvSpPr>
+        <p:spPr>
+          <a:xfrm>
+            <a:off x="1484312" y="3238500"/>
+            <a:ext cx="10018713" cy="1447800"/>
+          </a:xfrm>
+        </p:spPr>
+        <p:txBody>
+          <a:bodyPr>
+            <a:normAutofit/>
+          </a:bodyPr>
+          <a:lstStyle/>
+          <a:p>
+            <a:r>
+              <a:rPr lang="en-US" sz="6000" dirty="0" smtClean="0"/>
+              <a:t>USE THEM</a:t>
+            </a:r>
+            <a:endParaRPr lang="en-US" sz="6000" dirty="0"/>
+          </a:p>
+        </p:txBody>
+      </p:sp>
+    </p:spTree>
+    <p:extLst>
+      <p:ext uri="{BB962C8B-B14F-4D97-AF65-F5344CB8AC3E}">
+        <p14:creationId xmlns:p14="http://schemas.microsoft.com/office/powerpoint/2010/main" val="1217494037"/>
+      </p:ext>
+    </p:extLst>
+  </p:cSld>
+  <p:clrMapOvr>
+    <a:masterClrMapping/>
+  </p:clrMapOvr>
+  <p:timing>
+    <p:tnLst>
+      <p:par>
+        <p:cTn id="1" dur="indefinite" restart="never" nodeType="tmRoot"/>
+      </p:par>
+    </p:tnLst>
+  </p:timing>
+</p:sld>
+</file>
+
+<file path=ppt/slides/slide16.xml><?xml version="1.0" encoding="utf-8"?>
+<p:sld xmlns:a="http://schemas.openxmlformats.org/drawingml/2006/main" xmlns:r="http://schemas.openxmlformats.org/officeDocument/2006/relationships" xmlns:p="http://schemas.openxmlformats.org/presentationml/2006/main">
+  <p:cSld>
+    <p:spTree>
+      <p:nvGrpSpPr>
+        <p:cNvPr id="1" name=""/>
+        <p:cNvGrpSpPr/>
+        <p:nvPr/>
+      </p:nvGrpSpPr>
+      <p:grpSpPr>
+        <a:xfrm>
+          <a:off x="0" y="0"/>
+          <a:ext cx="0" cy="0"/>
+          <a:chOff x="0" y="0"/>
+          <a:chExt cx="0" cy="0"/>
+        </a:xfrm>
+      </p:grpSpPr>
+      <p:sp>
+        <p:nvSpPr>
+          <p:cNvPr id="2" name="Title 1"/>
+          <p:cNvSpPr>
+            <a:spLocks noGrp="1"/>
+          </p:cNvSpPr>
+          <p:nvPr>
+            <p:ph type="title"/>
+          </p:nvPr>
+        </p:nvSpPr>
+        <p:spPr/>
+        <p:txBody>
+          <a:bodyPr/>
+          <a:lstStyle/>
+          <a:p>
+            <a:r>
+              <a:rPr lang="en-US" dirty="0" smtClean="0"/>
+              <a:t>Commenting Code</a:t>
+            </a:r>
+            <a:endParaRPr lang="en-US" dirty="0"/>
+          </a:p>
+        </p:txBody>
+      </p:sp>
+      <p:sp>
+        <p:nvSpPr>
+          <p:cNvPr id="3" name="Content Placeholder 2"/>
+          <p:cNvSpPr>
+            <a:spLocks noGrp="1"/>
+          </p:cNvSpPr>
+          <p:nvPr>
+            <p:ph idx="1"/>
+          </p:nvPr>
+        </p:nvSpPr>
+        <p:spPr/>
+        <p:txBody>
+          <a:bodyPr/>
+          <a:lstStyle/>
+          <a:p>
+            <a:r>
+              <a:rPr lang="en-US" dirty="0" smtClean="0"/>
+              <a:t>Comments allow inline documentation in code</a:t>
+            </a:r>
+          </a:p>
+          <a:p>
+            <a:r>
+              <a:rPr lang="en-US" dirty="0" smtClean="0"/>
+              <a:t>Use to describe a portion of text</a:t>
+            </a:r>
+          </a:p>
+          <a:p>
+            <a:pPr lvl="1"/>
+            <a:r>
+              <a:rPr lang="en-US" dirty="0" smtClean="0"/>
+              <a:t>You’ll understand it after weeks of break</a:t>
+            </a:r>
+          </a:p>
+          <a:p>
+            <a:pPr lvl="1"/>
+            <a:r>
+              <a:rPr lang="en-US" dirty="0" smtClean="0"/>
+              <a:t>Other programmers will be able to understand it</a:t>
+            </a:r>
+            <a:endParaRPr lang="en-US" dirty="0"/>
+          </a:p>
+        </p:txBody>
+      </p:sp>
+    </p:spTree>
+    <p:extLst>
+      <p:ext uri="{BB962C8B-B14F-4D97-AF65-F5344CB8AC3E}">
+        <p14:creationId xmlns:p14="http://schemas.microsoft.com/office/powerpoint/2010/main" val="309284931"/>
+      </p:ext>
+    </p:extLst>
+  </p:cSld>
+  <p:clrMapOvr>
+    <a:masterClrMapping/>
+  </p:clrMapOvr>
+  <p:timing>
+    <p:tnLst>
+      <p:par>
+        <p:cTn id="1" dur="indefinite" restart="never" nodeType="tmRoot"/>
+      </p:par>
+    </p:tnLst>
+  </p:timing>
+</p:sld>
+</file>
+
+<file path=ppt/slides/slide17.xml><?xml version="1.0" encoding="utf-8"?>
+<p:sld xmlns:a="http://schemas.openxmlformats.org/drawingml/2006/main" xmlns:r="http://schemas.openxmlformats.org/officeDocument/2006/relationships" xmlns:p="http://schemas.openxmlformats.org/presentationml/2006/main">
+  <p:cSld>
+    <p:spTree>
+      <p:nvGrpSpPr>
+        <p:cNvPr id="1" name=""/>
+        <p:cNvGrpSpPr/>
+        <p:nvPr/>
+      </p:nvGrpSpPr>
+      <p:grpSpPr>
+        <a:xfrm>
+          <a:off x="0" y="0"/>
+          <a:ext cx="0" cy="0"/>
+          <a:chOff x="0" y="0"/>
+          <a:chExt cx="0" cy="0"/>
+        </a:xfrm>
+      </p:grpSpPr>
+      <p:sp>
+        <p:nvSpPr>
+          <p:cNvPr id="2" name="Title 1"/>
+          <p:cNvSpPr>
+            <a:spLocks noGrp="1"/>
+          </p:cNvSpPr>
+          <p:nvPr>
+            <p:ph type="title"/>
+          </p:nvPr>
+        </p:nvSpPr>
+        <p:spPr/>
+        <p:txBody>
+          <a:bodyPr/>
+          <a:lstStyle/>
+          <a:p>
+            <a:r>
+              <a:rPr lang="en-US" dirty="0" smtClean="0"/>
+              <a:t>Special Case: The TODO</a:t>
+            </a:r>
+            <a:endParaRPr lang="en-US" dirty="0"/>
+          </a:p>
+        </p:txBody>
+      </p:sp>
+      <p:sp>
+        <p:nvSpPr>
+          <p:cNvPr id="3" name="Content Placeholder 2"/>
+          <p:cNvSpPr>
+            <a:spLocks noGrp="1"/>
+          </p:cNvSpPr>
+          <p:nvPr>
+            <p:ph idx="1"/>
+          </p:nvPr>
+        </p:nvSpPr>
+        <p:spPr/>
+        <p:txBody>
+          <a:bodyPr/>
+          <a:lstStyle/>
+          <a:p>
+            <a:r>
+              <a:rPr lang="en-US" dirty="0" smtClean="0"/>
+              <a:t>Literally a marker for things “to do”</a:t>
+            </a:r>
+          </a:p>
+          <a:p>
+            <a:r>
+              <a:rPr lang="en-US" dirty="0" smtClean="0"/>
+              <a:t>TODO comments can be used to highlight code that:</a:t>
+            </a:r>
+          </a:p>
+          <a:p>
+            <a:pPr lvl="1"/>
+            <a:r>
+              <a:rPr lang="en-US" dirty="0"/>
+              <a:t>N</a:t>
+            </a:r>
+            <a:r>
+              <a:rPr lang="en-US" dirty="0" smtClean="0"/>
+              <a:t>eeds work</a:t>
+            </a:r>
+          </a:p>
+          <a:p>
+            <a:pPr lvl="1"/>
+            <a:r>
+              <a:rPr lang="en-US" dirty="0" smtClean="0"/>
+              <a:t>Has a potential solution</a:t>
+            </a:r>
+          </a:p>
+          <a:p>
+            <a:pPr lvl="1"/>
+            <a:r>
+              <a:rPr lang="en-US" dirty="0" smtClean="0"/>
+              <a:t>You want to document said possible solution</a:t>
+            </a:r>
+            <a:endParaRPr lang="en-US" dirty="0"/>
+          </a:p>
+        </p:txBody>
+      </p:sp>
+    </p:spTree>
+    <p:extLst>
+      <p:ext uri="{BB962C8B-B14F-4D97-AF65-F5344CB8AC3E}">
+        <p14:creationId xmlns:p14="http://schemas.microsoft.com/office/powerpoint/2010/main" val="52789292"/>
+      </p:ext>
+    </p:extLst>
+  </p:cSld>
+  <p:clrMapOvr>
+    <a:masterClrMapping/>
+  </p:clrMapOvr>
+  <p:timing>
+    <p:tnLst>
+      <p:par>
+        <p:cTn id="1" dur="indefinite" restart="never" nodeType="tmRoot"/>
+      </p:par>
+    </p:tnLst>
+  </p:timing>
+</p:sld>
+</file>
+
+<file path=ppt/slides/slide18.xml><?xml version="1.0" encoding="utf-8"?>
+<p:sld xmlns:a="http://schemas.openxmlformats.org/drawingml/2006/main" xmlns:r="http://schemas.openxmlformats.org/officeDocument/2006/relationships" xmlns:p="http://schemas.openxmlformats.org/presentationml/2006/main">
+  <p:cSld>
+    <p:spTree>
+      <p:nvGrpSpPr>
+        <p:cNvPr id="1" name=""/>
+        <p:cNvGrpSpPr/>
+        <p:nvPr/>
+      </p:nvGrpSpPr>
+      <p:grpSpPr>
+        <a:xfrm>
+          <a:off x="0" y="0"/>
+          <a:ext cx="0" cy="0"/>
+          <a:chOff x="0" y="0"/>
+          <a:chExt cx="0" cy="0"/>
+        </a:xfrm>
+      </p:grpSpPr>
+      <p:pic>
+        <p:nvPicPr>
+          <p:cNvPr id="2050" name="Picture 2" descr="http://puu.sh/kWjhG/e6168e4fac.png"/>
+          <p:cNvPicPr>
+            <a:picLocks noChangeAspect="1" noChangeArrowheads="1"/>
+          </p:cNvPicPr>
+          <p:nvPr/>
+        </p:nvPicPr>
+        <p:blipFill>
+          <a:blip r:embed="rId2">
+            <a:extLst>
+              <a:ext uri="{28A0092B-C50C-407E-A947-70E740481C1C}">
+                <a14:useLocalDpi xmlns:a14="http://schemas.microsoft.com/office/drawing/2010/main" val="0"/>
+              </a:ext>
+            </a:extLst>
+          </a:blip>
+          <a:srcRect/>
+          <a:stretch>
+            <a:fillRect/>
+          </a:stretch>
+        </p:blipFill>
+        <p:spPr bwMode="auto">
+          <a:xfrm>
+            <a:off x="2089149" y="2225674"/>
+            <a:ext cx="8559801" cy="2118335"/>
+          </a:xfrm>
+          <a:prstGeom prst="rect">
+            <a:avLst/>
+          </a:prstGeom>
+          <a:noFill/>
+          <a:extLst>
+            <a:ext uri="{909E8E84-426E-40DD-AFC4-6F175D3DCCD1}">
+              <a14:hiddenFill xmlns:a14="http://schemas.microsoft.com/office/drawing/2010/main">
+                <a:solidFill>
+                  <a:srgbClr val="FFFFFF"/>
+                </a:solidFill>
+              </a14:hiddenFill>
+            </a:ext>
+          </a:extLst>
+        </p:spPr>
+      </p:pic>
+      <p:sp>
+        <p:nvSpPr>
+          <p:cNvPr id="3" name="TextBox 2"/>
+          <p:cNvSpPr txBox="1"/>
+          <p:nvPr/>
+        </p:nvSpPr>
+        <p:spPr>
+          <a:xfrm>
+            <a:off x="2019299" y="1856342"/>
+            <a:ext cx="6611303" cy="369332"/>
+          </a:xfrm>
+          <a:prstGeom prst="rect">
+            <a:avLst/>
+          </a:prstGeom>
+          <a:noFill/>
+        </p:spPr>
+        <p:txBody>
+          <a:bodyPr wrap="square" rtlCol="0">
+            <a:spAutoFit/>
+          </a:bodyPr>
+          <a:lstStyle/>
+          <a:p>
+            <a:r>
+              <a:rPr lang="en-US" dirty="0" smtClean="0"/>
+              <a:t>Fancy blue highlighting in IntelliJ/Android Studio for TODOs</a:t>
+            </a:r>
+            <a:endParaRPr lang="en-US" dirty="0"/>
+          </a:p>
+        </p:txBody>
+      </p:sp>
+    </p:spTree>
+    <p:extLst>
+      <p:ext uri="{BB962C8B-B14F-4D97-AF65-F5344CB8AC3E}">
+        <p14:creationId xmlns:p14="http://schemas.microsoft.com/office/powerpoint/2010/main" val="1241668596"/>
+      </p:ext>
+    </p:extLst>
+  </p:cSld>
+  <p:clrMapOvr>
+    <a:masterClrMapping/>
+  </p:clrMapOvr>
+  <p:timing>
+    <p:tnLst>
+      <p:par>
+        <p:cTn id="1" dur="indefinite" restart="never" nodeType="tmRoot"/>
+      </p:par>
+    </p:tnLst>
+  </p:timing>
+</p:sld>
+</file>
+
+<file path=ppt/slides/slide19.xml><?xml version="1.0" encoding="utf-8"?>
+<p:sld xmlns:a="http://schemas.openxmlformats.org/drawingml/2006/main" xmlns:r="http://schemas.openxmlformats.org/officeDocument/2006/relationships" xmlns:p="http://schemas.openxmlformats.org/presentationml/2006/main">
+  <p:cSld>
+    <p:spTree>
+      <p:nvGrpSpPr>
+        <p:cNvPr id="1" name=""/>
+        <p:cNvGrpSpPr/>
+        <p:nvPr/>
+      </p:nvGrpSpPr>
+      <p:grpSpPr>
+        <a:xfrm>
+          <a:off x="0" y="0"/>
+          <a:ext cx="0" cy="0"/>
+          <a:chOff x="0" y="0"/>
+          <a:chExt cx="0" cy="0"/>
+        </a:xfrm>
+      </p:grpSpPr>
+      <p:sp>
+        <p:nvSpPr>
+          <p:cNvPr id="2" name="Title 1"/>
+          <p:cNvSpPr>
+            <a:spLocks noGrp="1"/>
+          </p:cNvSpPr>
+          <p:nvPr>
+            <p:ph type="title"/>
+          </p:nvPr>
+        </p:nvSpPr>
+        <p:spPr/>
+        <p:txBody>
+          <a:bodyPr/>
+          <a:lstStyle/>
+          <a:p>
+            <a:r>
+              <a:rPr lang="en-US" dirty="0" smtClean="0"/>
+              <a:t>Comment Styles</a:t>
+            </a:r>
+            <a:endParaRPr lang="en-US" dirty="0"/>
+          </a:p>
+        </p:txBody>
+      </p:sp>
+      <p:sp>
+        <p:nvSpPr>
+          <p:cNvPr id="3" name="Content Placeholder 2"/>
+          <p:cNvSpPr>
+            <a:spLocks noGrp="1"/>
+          </p:cNvSpPr>
+          <p:nvPr>
+            <p:ph idx="1"/>
+          </p:nvPr>
+        </p:nvSpPr>
+        <p:spPr/>
+        <p:txBody>
+          <a:bodyPr>
+            <a:normAutofit lnSpcReduction="10000"/>
+          </a:bodyPr>
+          <a:lstStyle/>
+          <a:p>
+            <a:r>
+              <a:rPr lang="en-US" dirty="0" smtClean="0"/>
+              <a:t>Inline comments</a:t>
+            </a:r>
+          </a:p>
+          <a:p>
+            <a:pPr lvl="1"/>
+            <a:r>
+              <a:rPr lang="en-US" dirty="0" smtClean="0"/>
+              <a:t>Ex: </a:t>
+            </a:r>
+            <a:r>
+              <a:rPr lang="en-US" i="1" dirty="0" err="1" smtClean="0"/>
+              <a:t>run_code</a:t>
+            </a:r>
+            <a:r>
+              <a:rPr lang="en-US" i="1" dirty="0" smtClean="0"/>
+              <a:t>(); //runs code</a:t>
+            </a:r>
+          </a:p>
+          <a:p>
+            <a:pPr lvl="1"/>
+            <a:r>
+              <a:rPr lang="en-US" dirty="0" smtClean="0"/>
+              <a:t>Can annotate just a few lines of code</a:t>
+            </a:r>
+          </a:p>
+          <a:p>
+            <a:r>
+              <a:rPr lang="en-US" dirty="0" smtClean="0"/>
+              <a:t>Block comments</a:t>
+            </a:r>
+          </a:p>
+          <a:p>
+            <a:pPr lvl="1"/>
+            <a:r>
+              <a:rPr lang="en-US" dirty="0" smtClean="0"/>
+              <a:t>Can span multiple lines</a:t>
+            </a:r>
+          </a:p>
+          <a:p>
+            <a:pPr lvl="1"/>
+            <a:r>
+              <a:rPr lang="en-US" dirty="0" smtClean="0"/>
+              <a:t>Good for large documentation</a:t>
+            </a:r>
+          </a:p>
+          <a:p>
+            <a:pPr lvl="1"/>
+            <a:r>
+              <a:rPr lang="en-US" dirty="0" smtClean="0"/>
+              <a:t>Can impede flow of code reading</a:t>
+            </a:r>
+            <a:endParaRPr lang="en-US" dirty="0"/>
+          </a:p>
+        </p:txBody>
+      </p:sp>
+      <p:pic>
+        <p:nvPicPr>
+          <p:cNvPr id="3074" name="Picture 2" descr="http://puu.sh/kWjwC/c4e5b8d522.png"/>
+          <p:cNvPicPr>
+            <a:picLocks noChangeAspect="1" noChangeArrowheads="1"/>
+          </p:cNvPicPr>
+          <p:nvPr/>
+        </p:nvPicPr>
+        <p:blipFill>
+          <a:blip r:embed="rId2">
+            <a:extLst>
+              <a:ext uri="{28A0092B-C50C-407E-A947-70E740481C1C}">
+                <a14:useLocalDpi xmlns:a14="http://schemas.microsoft.com/office/drawing/2010/main" val="0"/>
+              </a:ext>
+            </a:extLst>
+          </a:blip>
+          <a:srcRect/>
+          <a:stretch>
+            <a:fillRect/>
+          </a:stretch>
+        </p:blipFill>
+        <p:spPr bwMode="auto">
+          <a:xfrm>
+            <a:off x="7013575" y="4086225"/>
+            <a:ext cx="4275830" cy="1052512"/>
+          </a:xfrm>
+          <a:prstGeom prst="rect">
+            <a:avLst/>
+          </a:prstGeom>
+          <a:noFill/>
+          <a:extLst>
+            <a:ext uri="{909E8E84-426E-40DD-AFC4-6F175D3DCCD1}">
+              <a14:hiddenFill xmlns:a14="http://schemas.microsoft.com/office/drawing/2010/main">
+                <a:solidFill>
+                  <a:srgbClr val="FFFFFF"/>
+                </a:solidFill>
+              </a14:hiddenFill>
+            </a:ext>
+          </a:extLst>
+        </p:spPr>
+      </p:pic>
+      <p:sp>
+        <p:nvSpPr>
+          <p:cNvPr id="4" name="TextBox 3"/>
+          <p:cNvSpPr txBox="1"/>
+          <p:nvPr/>
+        </p:nvSpPr>
+        <p:spPr>
+          <a:xfrm>
+            <a:off x="7458074" y="5136118"/>
+            <a:ext cx="3419476" cy="369332"/>
+          </a:xfrm>
+          <a:prstGeom prst="rect">
+            <a:avLst/>
+          </a:prstGeom>
+          <a:noFill/>
+        </p:spPr>
+        <p:txBody>
+          <a:bodyPr wrap="square" rtlCol="0">
+            <a:spAutoFit/>
+          </a:bodyPr>
+          <a:lstStyle/>
+          <a:p>
+            <a:r>
+              <a:rPr lang="en-US" dirty="0" smtClean="0"/>
+              <a:t>Auto-generated block comment</a:t>
+            </a:r>
+            <a:endParaRPr lang="en-US" dirty="0"/>
+          </a:p>
+        </p:txBody>
+      </p:sp>
+    </p:spTree>
+    <p:extLst>
+      <p:ext uri="{BB962C8B-B14F-4D97-AF65-F5344CB8AC3E}">
+        <p14:creationId xmlns:p14="http://schemas.microsoft.com/office/powerpoint/2010/main" val="1525609929"/>
+      </p:ext>
+    </p:extLst>
+  </p:cSld>
+  <p:clrMapOvr>
+    <a:masterClrMapping/>
+  </p:clrMapOvr>
+  <p:timing>
+    <p:tnLst>
+      <p:par>
+        <p:cTn id="1" dur="indefinite" restart="never" nodeType="tmRoot"/>
+      </p:par>
+    </p:tnLst>
+  </p:timing>
 </p:sld>
 </file>
 
@@ -6592,7 +8406,11 @@
           <a:p>
             <a:r>
               <a:rPr lang="en-US" dirty="0" smtClean="0"/>
-              <a:t>Part 1: File Naming</a:t>
+              <a:t>File </a:t>
+            </a:r>
+            <a:r>
+              <a:rPr lang="en-US" dirty="0" smtClean="0"/>
+              <a:t>Naming</a:t>
             </a:r>
             <a:endParaRPr lang="en-US" dirty="0"/>
           </a:p>
@@ -6613,6 +8431,10 @@
           <a:bodyPr/>
           <a:lstStyle/>
           <a:p>
+            <a:r>
+              <a:rPr lang="en-US" dirty="0" smtClean="0"/>
+              <a:t>Keeping it Clean and Simple</a:t>
+            </a:r>
             <a:endParaRPr lang="en-US" dirty="0"/>
           </a:p>
         </p:txBody>
@@ -6627,6 +8449,856 @@
   <p:clrMapOvr>
     <a:masterClrMapping/>
   </p:clrMapOvr>
+  <p:timing>
+    <p:tnLst>
+      <p:par>
+        <p:cTn id="1" dur="indefinite" restart="never" nodeType="tmRoot"/>
+      </p:par>
+    </p:tnLst>
+  </p:timing>
+</p:sld>
+</file>
+
+<file path=ppt/slides/slide20.xml><?xml version="1.0" encoding="utf-8"?>
+<p:sld xmlns:a="http://schemas.openxmlformats.org/drawingml/2006/main" xmlns:r="http://schemas.openxmlformats.org/officeDocument/2006/relationships" xmlns:p="http://schemas.openxmlformats.org/presentationml/2006/main">
+  <p:cSld>
+    <p:spTree>
+      <p:nvGrpSpPr>
+        <p:cNvPr id="1" name=""/>
+        <p:cNvGrpSpPr/>
+        <p:nvPr/>
+      </p:nvGrpSpPr>
+      <p:grpSpPr>
+        <a:xfrm>
+          <a:off x="0" y="0"/>
+          <a:ext cx="0" cy="0"/>
+          <a:chOff x="0" y="0"/>
+          <a:chExt cx="0" cy="0"/>
+        </a:xfrm>
+      </p:grpSpPr>
+      <p:sp>
+        <p:nvSpPr>
+          <p:cNvPr id="2" name="Title 1"/>
+          <p:cNvSpPr>
+            <a:spLocks noGrp="1"/>
+          </p:cNvSpPr>
+          <p:nvPr>
+            <p:ph type="title"/>
+          </p:nvPr>
+        </p:nvSpPr>
+        <p:spPr>
+          <a:xfrm>
+            <a:off x="1484311" y="2219325"/>
+            <a:ext cx="10018713" cy="1752599"/>
+          </a:xfrm>
+        </p:spPr>
+        <p:txBody>
+          <a:bodyPr/>
+          <a:lstStyle/>
+          <a:p>
+            <a:r>
+              <a:rPr lang="en-US" dirty="0" smtClean="0"/>
+              <a:t>To repeat…</a:t>
+            </a:r>
+            <a:endParaRPr lang="en-US" dirty="0"/>
+          </a:p>
+        </p:txBody>
+      </p:sp>
+    </p:spTree>
+    <p:extLst>
+      <p:ext uri="{BB962C8B-B14F-4D97-AF65-F5344CB8AC3E}">
+        <p14:creationId xmlns:p14="http://schemas.microsoft.com/office/powerpoint/2010/main" val="3935398756"/>
+      </p:ext>
+    </p:extLst>
+  </p:cSld>
+  <p:clrMapOvr>
+    <a:masterClrMapping/>
+  </p:clrMapOvr>
+  <p:timing>
+    <p:tnLst>
+      <p:par>
+        <p:cTn id="1" dur="indefinite" restart="never" nodeType="tmRoot"/>
+      </p:par>
+    </p:tnLst>
+  </p:timing>
+</p:sld>
+</file>
+
+<file path=ppt/slides/slide21.xml><?xml version="1.0" encoding="utf-8"?>
+<p:sld xmlns:a="http://schemas.openxmlformats.org/drawingml/2006/main" xmlns:r="http://schemas.openxmlformats.org/officeDocument/2006/relationships" xmlns:p="http://schemas.openxmlformats.org/presentationml/2006/main">
+  <p:cSld>
+    <p:spTree>
+      <p:nvGrpSpPr>
+        <p:cNvPr id="1" name=""/>
+        <p:cNvGrpSpPr/>
+        <p:nvPr/>
+      </p:nvGrpSpPr>
+      <p:grpSpPr>
+        <a:xfrm>
+          <a:off x="0" y="0"/>
+          <a:ext cx="0" cy="0"/>
+          <a:chOff x="0" y="0"/>
+          <a:chExt cx="0" cy="0"/>
+        </a:xfrm>
+      </p:grpSpPr>
+      <p:sp>
+        <p:nvSpPr>
+          <p:cNvPr id="2" name="Title 1"/>
+          <p:cNvSpPr>
+            <a:spLocks noGrp="1"/>
+          </p:cNvSpPr>
+          <p:nvPr>
+            <p:ph type="title"/>
+          </p:nvPr>
+        </p:nvSpPr>
+        <p:spPr/>
+        <p:txBody>
+          <a:bodyPr>
+            <a:noAutofit/>
+          </a:bodyPr>
+          <a:lstStyle/>
+          <a:p>
+            <a:r>
+              <a:rPr lang="en-US" sz="8000" dirty="0" smtClean="0"/>
+              <a:t>Comments</a:t>
+            </a:r>
+            <a:endParaRPr lang="en-US" sz="8000" dirty="0"/>
+          </a:p>
+        </p:txBody>
+      </p:sp>
+      <p:sp>
+        <p:nvSpPr>
+          <p:cNvPr id="3" name="Text Placeholder 2"/>
+          <p:cNvSpPr>
+            <a:spLocks noGrp="1"/>
+          </p:cNvSpPr>
+          <p:nvPr>
+            <p:ph type="body" idx="1"/>
+          </p:nvPr>
+        </p:nvSpPr>
+        <p:spPr>
+          <a:xfrm>
+            <a:off x="1484312" y="3238500"/>
+            <a:ext cx="10018713" cy="1447800"/>
+          </a:xfrm>
+        </p:spPr>
+        <p:txBody>
+          <a:bodyPr>
+            <a:normAutofit/>
+          </a:bodyPr>
+          <a:lstStyle/>
+          <a:p>
+            <a:r>
+              <a:rPr lang="en-US" sz="6000" dirty="0" smtClean="0"/>
+              <a:t>USE THEM</a:t>
+            </a:r>
+            <a:endParaRPr lang="en-US" sz="6000" dirty="0"/>
+          </a:p>
+        </p:txBody>
+      </p:sp>
+    </p:spTree>
+    <p:extLst>
+      <p:ext uri="{BB962C8B-B14F-4D97-AF65-F5344CB8AC3E}">
+        <p14:creationId xmlns:p14="http://schemas.microsoft.com/office/powerpoint/2010/main" val="2008289687"/>
+      </p:ext>
+    </p:extLst>
+  </p:cSld>
+  <p:clrMapOvr>
+    <a:masterClrMapping/>
+  </p:clrMapOvr>
+  <p:timing>
+    <p:tnLst>
+      <p:par>
+        <p:cTn id="1" dur="indefinite" restart="never" nodeType="tmRoot"/>
+      </p:par>
+    </p:tnLst>
+  </p:timing>
+</p:sld>
+</file>
+
+<file path=ppt/slides/slide22.xml><?xml version="1.0" encoding="utf-8"?>
+<p:sld xmlns:a="http://schemas.openxmlformats.org/drawingml/2006/main" xmlns:r="http://schemas.openxmlformats.org/officeDocument/2006/relationships" xmlns:p="http://schemas.openxmlformats.org/presentationml/2006/main">
+  <p:cSld>
+    <p:spTree>
+      <p:nvGrpSpPr>
+        <p:cNvPr id="1" name=""/>
+        <p:cNvGrpSpPr/>
+        <p:nvPr/>
+      </p:nvGrpSpPr>
+      <p:grpSpPr>
+        <a:xfrm>
+          <a:off x="0" y="0"/>
+          <a:ext cx="0" cy="0"/>
+          <a:chOff x="0" y="0"/>
+          <a:chExt cx="0" cy="0"/>
+        </a:xfrm>
+      </p:grpSpPr>
+      <p:sp>
+        <p:nvSpPr>
+          <p:cNvPr id="2" name="Title 1"/>
+          <p:cNvSpPr>
+            <a:spLocks noGrp="1"/>
+          </p:cNvSpPr>
+          <p:nvPr>
+            <p:ph type="title"/>
+          </p:nvPr>
+        </p:nvSpPr>
+        <p:spPr/>
+        <p:txBody>
+          <a:bodyPr/>
+          <a:lstStyle/>
+          <a:p>
+            <a:r>
+              <a:rPr lang="en-US" dirty="0" smtClean="0"/>
+              <a:t>Miscellaneous Dos and Don’ts</a:t>
+            </a:r>
+            <a:endParaRPr lang="en-US" dirty="0"/>
+          </a:p>
+        </p:txBody>
+      </p:sp>
+      <p:sp>
+        <p:nvSpPr>
+          <p:cNvPr id="3" name="Text Placeholder 2"/>
+          <p:cNvSpPr>
+            <a:spLocks noGrp="1"/>
+          </p:cNvSpPr>
+          <p:nvPr>
+            <p:ph type="body" idx="1"/>
+          </p:nvPr>
+        </p:nvSpPr>
+        <p:spPr/>
+        <p:txBody>
+          <a:bodyPr/>
+          <a:lstStyle/>
+          <a:p>
+            <a:r>
+              <a:rPr lang="en-US" dirty="0" smtClean="0"/>
+              <a:t>Pseudorandom tips for a better code</a:t>
+            </a:r>
+            <a:endParaRPr lang="en-US" dirty="0"/>
+          </a:p>
+        </p:txBody>
+      </p:sp>
+    </p:spTree>
+    <p:extLst>
+      <p:ext uri="{BB962C8B-B14F-4D97-AF65-F5344CB8AC3E}">
+        <p14:creationId xmlns:p14="http://schemas.microsoft.com/office/powerpoint/2010/main" val="4109862066"/>
+      </p:ext>
+    </p:extLst>
+  </p:cSld>
+  <p:clrMapOvr>
+    <a:masterClrMapping/>
+  </p:clrMapOvr>
+  <p:timing>
+    <p:tnLst>
+      <p:par>
+        <p:cTn id="1" dur="indefinite" restart="never" nodeType="tmRoot"/>
+      </p:par>
+    </p:tnLst>
+  </p:timing>
+</p:sld>
+</file>
+
+<file path=ppt/slides/slide23.xml><?xml version="1.0" encoding="utf-8"?>
+<p:sld xmlns:a="http://schemas.openxmlformats.org/drawingml/2006/main" xmlns:r="http://schemas.openxmlformats.org/officeDocument/2006/relationships" xmlns:p="http://schemas.openxmlformats.org/presentationml/2006/main">
+  <p:cSld>
+    <p:spTree>
+      <p:nvGrpSpPr>
+        <p:cNvPr id="1" name=""/>
+        <p:cNvGrpSpPr/>
+        <p:nvPr/>
+      </p:nvGrpSpPr>
+      <p:grpSpPr>
+        <a:xfrm>
+          <a:off x="0" y="0"/>
+          <a:ext cx="0" cy="0"/>
+          <a:chOff x="0" y="0"/>
+          <a:chExt cx="0" cy="0"/>
+        </a:xfrm>
+      </p:grpSpPr>
+      <p:sp>
+        <p:nvSpPr>
+          <p:cNvPr id="2" name="Title 1"/>
+          <p:cNvSpPr>
+            <a:spLocks noGrp="1"/>
+          </p:cNvSpPr>
+          <p:nvPr>
+            <p:ph type="title"/>
+          </p:nvPr>
+        </p:nvSpPr>
+        <p:spPr/>
+        <p:txBody>
+          <a:bodyPr/>
+          <a:lstStyle/>
+          <a:p>
+            <a:r>
+              <a:rPr lang="en-US" dirty="0" smtClean="0"/>
+              <a:t>Learning From The Code</a:t>
+            </a:r>
+            <a:endParaRPr lang="en-US" dirty="0"/>
+          </a:p>
+        </p:txBody>
+      </p:sp>
+      <p:sp>
+        <p:nvSpPr>
+          <p:cNvPr id="3" name="Content Placeholder 2"/>
+          <p:cNvSpPr>
+            <a:spLocks noGrp="1"/>
+          </p:cNvSpPr>
+          <p:nvPr>
+            <p:ph idx="1"/>
+          </p:nvPr>
+        </p:nvSpPr>
+        <p:spPr/>
+        <p:txBody>
+          <a:bodyPr/>
+          <a:lstStyle/>
+          <a:p>
+            <a:r>
+              <a:rPr lang="en-US" i="1" dirty="0" smtClean="0"/>
+              <a:t>Don’t </a:t>
+            </a:r>
+            <a:r>
+              <a:rPr lang="en-US" dirty="0" smtClean="0"/>
+              <a:t>copy and paste</a:t>
+            </a:r>
+          </a:p>
+          <a:p>
+            <a:pPr lvl="1"/>
+            <a:r>
+              <a:rPr lang="en-US" dirty="0" smtClean="0"/>
+              <a:t>Easy to make errors</a:t>
+            </a:r>
+          </a:p>
+          <a:p>
+            <a:pPr lvl="2"/>
+            <a:r>
+              <a:rPr lang="en-US" dirty="0" smtClean="0"/>
+              <a:t>Especially when each copy/paste has small changes</a:t>
+            </a:r>
+          </a:p>
+          <a:p>
+            <a:pPr lvl="1"/>
+            <a:r>
+              <a:rPr lang="en-US" dirty="0" smtClean="0"/>
+              <a:t>You don’t learn what the code does</a:t>
+            </a:r>
+          </a:p>
+          <a:p>
+            <a:r>
+              <a:rPr lang="en-US" i="1" dirty="0" smtClean="0"/>
+              <a:t>Do</a:t>
+            </a:r>
+            <a:r>
+              <a:rPr lang="en-US" dirty="0" smtClean="0"/>
+              <a:t> replicate the code separately</a:t>
+            </a:r>
+          </a:p>
+          <a:p>
+            <a:pPr lvl="1"/>
+            <a:r>
+              <a:rPr lang="en-US" dirty="0" smtClean="0"/>
+              <a:t>Allows in-depth study without fear of breaking original code</a:t>
+            </a:r>
+          </a:p>
+          <a:p>
+            <a:endParaRPr lang="en-US" dirty="0"/>
+          </a:p>
+        </p:txBody>
+      </p:sp>
+    </p:spTree>
+    <p:extLst>
+      <p:ext uri="{BB962C8B-B14F-4D97-AF65-F5344CB8AC3E}">
+        <p14:creationId xmlns:p14="http://schemas.microsoft.com/office/powerpoint/2010/main" val="3316615183"/>
+      </p:ext>
+    </p:extLst>
+  </p:cSld>
+  <p:clrMapOvr>
+    <a:masterClrMapping/>
+  </p:clrMapOvr>
+  <p:timing>
+    <p:tnLst>
+      <p:par>
+        <p:cTn id="1" dur="indefinite" restart="never" nodeType="tmRoot"/>
+      </p:par>
+    </p:tnLst>
+  </p:timing>
+</p:sld>
+</file>
+
+<file path=ppt/slides/slide24.xml><?xml version="1.0" encoding="utf-8"?>
+<p:sld xmlns:a="http://schemas.openxmlformats.org/drawingml/2006/main" xmlns:r="http://schemas.openxmlformats.org/officeDocument/2006/relationships" xmlns:p="http://schemas.openxmlformats.org/presentationml/2006/main">
+  <p:cSld>
+    <p:spTree>
+      <p:nvGrpSpPr>
+        <p:cNvPr id="1" name=""/>
+        <p:cNvGrpSpPr/>
+        <p:nvPr/>
+      </p:nvGrpSpPr>
+      <p:grpSpPr>
+        <a:xfrm>
+          <a:off x="0" y="0"/>
+          <a:ext cx="0" cy="0"/>
+          <a:chOff x="0" y="0"/>
+          <a:chExt cx="0" cy="0"/>
+        </a:xfrm>
+      </p:grpSpPr>
+      <p:sp>
+        <p:nvSpPr>
+          <p:cNvPr id="2" name="Title 1"/>
+          <p:cNvSpPr>
+            <a:spLocks noGrp="1"/>
+          </p:cNvSpPr>
+          <p:nvPr>
+            <p:ph type="title"/>
+          </p:nvPr>
+        </p:nvSpPr>
+        <p:spPr/>
+        <p:txBody>
+          <a:bodyPr/>
+          <a:lstStyle/>
+          <a:p>
+            <a:r>
+              <a:rPr lang="en-US" dirty="0" smtClean="0"/>
+              <a:t>Tedium in The Code</a:t>
+            </a:r>
+            <a:endParaRPr lang="en-US" dirty="0"/>
+          </a:p>
+        </p:txBody>
+      </p:sp>
+      <p:sp>
+        <p:nvSpPr>
+          <p:cNvPr id="3" name="Content Placeholder 2"/>
+          <p:cNvSpPr>
+            <a:spLocks noGrp="1"/>
+          </p:cNvSpPr>
+          <p:nvPr>
+            <p:ph idx="1"/>
+          </p:nvPr>
+        </p:nvSpPr>
+        <p:spPr/>
+        <p:txBody>
+          <a:bodyPr>
+            <a:normAutofit lnSpcReduction="10000"/>
+          </a:bodyPr>
+          <a:lstStyle/>
+          <a:p>
+            <a:r>
+              <a:rPr lang="en-US" i="1" dirty="0" smtClean="0"/>
+              <a:t>Don’t</a:t>
+            </a:r>
+            <a:r>
+              <a:rPr lang="en-US" dirty="0" smtClean="0"/>
+              <a:t> copy and paste identical code in different parts</a:t>
+            </a:r>
+          </a:p>
+          <a:p>
+            <a:pPr lvl="1"/>
+            <a:r>
+              <a:rPr lang="en-US" dirty="0" smtClean="0"/>
+              <a:t>Includes methods, variables, calculated values, etc.</a:t>
+            </a:r>
+          </a:p>
+          <a:p>
+            <a:pPr lvl="1"/>
+            <a:r>
+              <a:rPr lang="en-US" dirty="0" smtClean="0"/>
+              <a:t>A change to the code forces a change to every copy/pasted part</a:t>
+            </a:r>
+          </a:p>
+          <a:p>
+            <a:pPr lvl="2"/>
+            <a:r>
+              <a:rPr lang="en-US" dirty="0" smtClean="0"/>
+              <a:t>Not worth your time</a:t>
+            </a:r>
+          </a:p>
+          <a:p>
+            <a:pPr lvl="2"/>
+            <a:r>
+              <a:rPr lang="en-US" dirty="0" smtClean="0"/>
+              <a:t>You can and will make mistakes in the process</a:t>
+            </a:r>
+          </a:p>
+          <a:p>
+            <a:r>
+              <a:rPr lang="en-US" dirty="0" smtClean="0"/>
+              <a:t>Do make methods and variables for repeated code</a:t>
+            </a:r>
+          </a:p>
+          <a:p>
+            <a:pPr lvl="1"/>
+            <a:r>
+              <a:rPr lang="en-US" dirty="0" smtClean="0"/>
+              <a:t>If it’s used more than once, make a method or variable for it!</a:t>
+            </a:r>
+          </a:p>
+          <a:p>
+            <a:endParaRPr lang="en-US" dirty="0"/>
+          </a:p>
+        </p:txBody>
+      </p:sp>
+    </p:spTree>
+    <p:extLst>
+      <p:ext uri="{BB962C8B-B14F-4D97-AF65-F5344CB8AC3E}">
+        <p14:creationId xmlns:p14="http://schemas.microsoft.com/office/powerpoint/2010/main" val="430792993"/>
+      </p:ext>
+    </p:extLst>
+  </p:cSld>
+  <p:clrMapOvr>
+    <a:masterClrMapping/>
+  </p:clrMapOvr>
+  <p:timing>
+    <p:tnLst>
+      <p:par>
+        <p:cTn id="1" dur="indefinite" restart="never" nodeType="tmRoot"/>
+      </p:par>
+    </p:tnLst>
+  </p:timing>
+</p:sld>
+</file>
+
+<file path=ppt/slides/slide25.xml><?xml version="1.0" encoding="utf-8"?>
+<p:sld xmlns:a="http://schemas.openxmlformats.org/drawingml/2006/main" xmlns:r="http://schemas.openxmlformats.org/officeDocument/2006/relationships" xmlns:p="http://schemas.openxmlformats.org/presentationml/2006/main">
+  <p:cSld>
+    <p:spTree>
+      <p:nvGrpSpPr>
+        <p:cNvPr id="1" name=""/>
+        <p:cNvGrpSpPr/>
+        <p:nvPr/>
+      </p:nvGrpSpPr>
+      <p:grpSpPr>
+        <a:xfrm>
+          <a:off x="0" y="0"/>
+          <a:ext cx="0" cy="0"/>
+          <a:chOff x="0" y="0"/>
+          <a:chExt cx="0" cy="0"/>
+        </a:xfrm>
+      </p:grpSpPr>
+      <p:sp>
+        <p:nvSpPr>
+          <p:cNvPr id="2" name="Title 1"/>
+          <p:cNvSpPr>
+            <a:spLocks noGrp="1"/>
+          </p:cNvSpPr>
+          <p:nvPr>
+            <p:ph type="title"/>
+          </p:nvPr>
+        </p:nvSpPr>
+        <p:spPr/>
+        <p:txBody>
+          <a:bodyPr/>
+          <a:lstStyle/>
+          <a:p>
+            <a:r>
+              <a:rPr lang="en-US" dirty="0" smtClean="0"/>
+              <a:t>Spaghetti Code</a:t>
+            </a:r>
+            <a:endParaRPr lang="en-US" dirty="0"/>
+          </a:p>
+        </p:txBody>
+      </p:sp>
+      <p:sp>
+        <p:nvSpPr>
+          <p:cNvPr id="3" name="Content Placeholder 2"/>
+          <p:cNvSpPr>
+            <a:spLocks noGrp="1"/>
+          </p:cNvSpPr>
+          <p:nvPr>
+            <p:ph idx="1"/>
+          </p:nvPr>
+        </p:nvSpPr>
+        <p:spPr/>
+        <p:txBody>
+          <a:bodyPr/>
+          <a:lstStyle/>
+          <a:p>
+            <a:r>
+              <a:rPr lang="en-US" dirty="0" smtClean="0"/>
+              <a:t>Avoid spaghetti in the code!</a:t>
+            </a:r>
+          </a:p>
+          <a:p>
+            <a:r>
+              <a:rPr lang="en-US" dirty="0" smtClean="0"/>
+              <a:t>Messy, hard to debug</a:t>
+            </a:r>
+          </a:p>
+          <a:p>
+            <a:r>
+              <a:rPr lang="en-US" dirty="0" smtClean="0"/>
+              <a:t>Easy to break by changing a seemingly unrelated line</a:t>
+            </a:r>
+          </a:p>
+        </p:txBody>
+      </p:sp>
+    </p:spTree>
+    <p:extLst>
+      <p:ext uri="{BB962C8B-B14F-4D97-AF65-F5344CB8AC3E}">
+        <p14:creationId xmlns:p14="http://schemas.microsoft.com/office/powerpoint/2010/main" val="33621077"/>
+      </p:ext>
+    </p:extLst>
+  </p:cSld>
+  <p:clrMapOvr>
+    <a:masterClrMapping/>
+  </p:clrMapOvr>
+  <p:timing>
+    <p:tnLst>
+      <p:par>
+        <p:cTn id="1" dur="indefinite" restart="never" nodeType="tmRoot"/>
+      </p:par>
+    </p:tnLst>
+  </p:timing>
+</p:sld>
+</file>
+
+<file path=ppt/slides/slide26.xml><?xml version="1.0" encoding="utf-8"?>
+<p:sld xmlns:a="http://schemas.openxmlformats.org/drawingml/2006/main" xmlns:r="http://schemas.openxmlformats.org/officeDocument/2006/relationships" xmlns:p="http://schemas.openxmlformats.org/presentationml/2006/main">
+  <p:cSld>
+    <p:spTree>
+      <p:nvGrpSpPr>
+        <p:cNvPr id="1" name=""/>
+        <p:cNvGrpSpPr/>
+        <p:nvPr/>
+      </p:nvGrpSpPr>
+      <p:grpSpPr>
+        <a:xfrm>
+          <a:off x="0" y="0"/>
+          <a:ext cx="0" cy="0"/>
+          <a:chOff x="0" y="0"/>
+          <a:chExt cx="0" cy="0"/>
+        </a:xfrm>
+      </p:grpSpPr>
+      <p:pic>
+        <p:nvPicPr>
+          <p:cNvPr id="5" name="Picture 4"/>
+          <p:cNvPicPr>
+            <a:picLocks noChangeAspect="1"/>
+          </p:cNvPicPr>
+          <p:nvPr/>
+        </p:nvPicPr>
+        <p:blipFill>
+          <a:blip r:embed="rId2"/>
+          <a:stretch>
+            <a:fillRect/>
+          </a:stretch>
+        </p:blipFill>
+        <p:spPr>
+          <a:xfrm>
+            <a:off x="2409824" y="2185987"/>
+            <a:ext cx="8258319" cy="2243138"/>
+          </a:xfrm>
+          <a:prstGeom prst="rect">
+            <a:avLst/>
+          </a:prstGeom>
+        </p:spPr>
+      </p:pic>
+      <p:sp>
+        <p:nvSpPr>
+          <p:cNvPr id="8" name="Title 1"/>
+          <p:cNvSpPr txBox="1">
+            <a:spLocks/>
+          </p:cNvSpPr>
+          <p:nvPr/>
+        </p:nvSpPr>
+        <p:spPr>
+          <a:xfrm>
+            <a:off x="1562687" y="4468312"/>
+            <a:ext cx="10018713" cy="398964"/>
+          </a:xfrm>
+          <a:prstGeom prst="rect">
+            <a:avLst/>
+          </a:prstGeom>
+        </p:spPr>
+        <p:txBody>
+          <a:bodyPr>
+            <a:normAutofit/>
+          </a:bodyPr>
+          <a:lstStyle>
+            <a:lvl1pPr algn="ctr" defTabSz="457200" rtl="0" eaLnBrk="1" latinLnBrk="0" hangingPunct="1">
+              <a:spcBef>
+                <a:spcPct val="0"/>
+              </a:spcBef>
+              <a:buNone/>
+              <a:defRPr sz="4000" kern="1200" cap="none">
+                <a:ln w="3175" cmpd="sng">
+                  <a:noFill/>
+                </a:ln>
+                <a:solidFill>
+                  <a:schemeClr val="tx1"/>
+                </a:solidFill>
+                <a:effectLst/>
+                <a:latin typeface="+mj-lt"/>
+                <a:ea typeface="+mj-ea"/>
+                <a:cs typeface="+mj-cs"/>
+              </a:defRPr>
+            </a:lvl1pPr>
+            <a:lvl2pPr eaLnBrk="1" hangingPunct="1">
+              <a:defRPr>
+                <a:solidFill>
+                  <a:schemeClr val="tx2"/>
+                </a:solidFill>
+              </a:defRPr>
+            </a:lvl2pPr>
+            <a:lvl3pPr eaLnBrk="1" hangingPunct="1">
+              <a:defRPr>
+                <a:solidFill>
+                  <a:schemeClr val="tx2"/>
+                </a:solidFill>
+              </a:defRPr>
+            </a:lvl3pPr>
+            <a:lvl4pPr eaLnBrk="1" hangingPunct="1">
+              <a:defRPr>
+                <a:solidFill>
+                  <a:schemeClr val="tx2"/>
+                </a:solidFill>
+              </a:defRPr>
+            </a:lvl4pPr>
+            <a:lvl5pPr eaLnBrk="1" hangingPunct="1">
+              <a:defRPr>
+                <a:solidFill>
+                  <a:schemeClr val="tx2"/>
+                </a:solidFill>
+              </a:defRPr>
+            </a:lvl5pPr>
+            <a:lvl6pPr eaLnBrk="1" hangingPunct="1">
+              <a:defRPr>
+                <a:solidFill>
+                  <a:schemeClr val="tx2"/>
+                </a:solidFill>
+              </a:defRPr>
+            </a:lvl6pPr>
+            <a:lvl7pPr eaLnBrk="1" hangingPunct="1">
+              <a:defRPr>
+                <a:solidFill>
+                  <a:schemeClr val="tx2"/>
+                </a:solidFill>
+              </a:defRPr>
+            </a:lvl7pPr>
+            <a:lvl8pPr eaLnBrk="1" hangingPunct="1">
+              <a:defRPr>
+                <a:solidFill>
+                  <a:schemeClr val="tx2"/>
+                </a:solidFill>
+              </a:defRPr>
+            </a:lvl8pPr>
+            <a:lvl9pPr eaLnBrk="1" hangingPunct="1">
+              <a:defRPr>
+                <a:solidFill>
+                  <a:schemeClr val="tx2"/>
+                </a:solidFill>
+              </a:defRPr>
+            </a:lvl9pPr>
+          </a:lstStyle>
+          <a:p>
+            <a:r>
+              <a:rPr lang="en-US" sz="1600" i="1" dirty="0" err="1" smtClean="0"/>
+              <a:t>xkcd</a:t>
+            </a:r>
+            <a:r>
+              <a:rPr lang="en-US" sz="1600" i="1" dirty="0" smtClean="0"/>
+              <a:t> #292</a:t>
+            </a:r>
+            <a:endParaRPr lang="en-US" sz="1600" i="1" dirty="0"/>
+          </a:p>
+        </p:txBody>
+      </p:sp>
+    </p:spTree>
+    <p:extLst>
+      <p:ext uri="{BB962C8B-B14F-4D97-AF65-F5344CB8AC3E}">
+        <p14:creationId xmlns:p14="http://schemas.microsoft.com/office/powerpoint/2010/main" val="4130842519"/>
+      </p:ext>
+    </p:extLst>
+  </p:cSld>
+  <p:clrMapOvr>
+    <a:masterClrMapping/>
+  </p:clrMapOvr>
+  <p:timing>
+    <p:tnLst>
+      <p:par>
+        <p:cTn id="1" dur="indefinite" restart="never" nodeType="tmRoot"/>
+      </p:par>
+    </p:tnLst>
+  </p:timing>
+</p:sld>
+</file>
+
+<file path=ppt/slides/slide27.xml><?xml version="1.0" encoding="utf-8"?>
+<p:sld xmlns:a="http://schemas.openxmlformats.org/drawingml/2006/main" xmlns:r="http://schemas.openxmlformats.org/officeDocument/2006/relationships" xmlns:p="http://schemas.openxmlformats.org/presentationml/2006/main">
+  <p:cSld>
+    <p:spTree>
+      <p:nvGrpSpPr>
+        <p:cNvPr id="1" name=""/>
+        <p:cNvGrpSpPr/>
+        <p:nvPr/>
+      </p:nvGrpSpPr>
+      <p:grpSpPr>
+        <a:xfrm>
+          <a:off x="0" y="0"/>
+          <a:ext cx="0" cy="0"/>
+          <a:chOff x="0" y="0"/>
+          <a:chExt cx="0" cy="0"/>
+        </a:xfrm>
+      </p:grpSpPr>
+      <p:sp>
+        <p:nvSpPr>
+          <p:cNvPr id="2" name="Title 1"/>
+          <p:cNvSpPr>
+            <a:spLocks noGrp="1"/>
+          </p:cNvSpPr>
+          <p:nvPr>
+            <p:ph type="title"/>
+          </p:nvPr>
+        </p:nvSpPr>
+        <p:spPr/>
+        <p:txBody>
+          <a:bodyPr/>
+          <a:lstStyle/>
+          <a:p>
+            <a:r>
+              <a:rPr lang="en-US" dirty="0" smtClean="0"/>
+              <a:t>Questions?</a:t>
+            </a:r>
+            <a:endParaRPr lang="en-US" dirty="0"/>
+          </a:p>
+        </p:txBody>
+      </p:sp>
+      <p:sp>
+        <p:nvSpPr>
+          <p:cNvPr id="3" name="Text Placeholder 2"/>
+          <p:cNvSpPr>
+            <a:spLocks noGrp="1"/>
+          </p:cNvSpPr>
+          <p:nvPr>
+            <p:ph type="body" idx="1"/>
+          </p:nvPr>
+        </p:nvSpPr>
+        <p:spPr/>
+        <p:txBody>
+          <a:bodyPr/>
+          <a:lstStyle/>
+          <a:p>
+            <a:endParaRPr lang="en-US"/>
+          </a:p>
+        </p:txBody>
+      </p:sp>
+    </p:spTree>
+    <p:extLst>
+      <p:ext uri="{BB962C8B-B14F-4D97-AF65-F5344CB8AC3E}">
+        <p14:creationId xmlns:p14="http://schemas.microsoft.com/office/powerpoint/2010/main" val="853972565"/>
+      </p:ext>
+    </p:extLst>
+  </p:cSld>
+  <p:clrMapOvr>
+    <a:masterClrMapping/>
+  </p:clrMapOvr>
+  <p:timing>
+    <p:tnLst>
+      <p:par>
+        <p:cTn id="1" dur="indefinite" restart="never" nodeType="tmRoot"/>
+      </p:par>
+    </p:tnLst>
+  </p:timing>
 </p:sld>
 </file>
 
@@ -6728,6 +9400,13 @@
   <p:clrMapOvr>
     <a:masterClrMapping/>
   </p:clrMapOvr>
+  <p:timing>
+    <p:tnLst>
+      <p:par>
+        <p:cTn id="1" dur="indefinite" restart="never" nodeType="tmRoot"/>
+      </p:par>
+    </p:tnLst>
+  </p:timing>
 </p:sld>
 </file>
 
@@ -6840,6 +9519,13 @@
   <p:clrMapOvr>
     <a:masterClrMapping/>
   </p:clrMapOvr>
+  <p:timing>
+    <p:tnLst>
+      <p:par>
+        <p:cTn id="1" dur="indefinite" restart="never" nodeType="tmRoot"/>
+      </p:par>
+    </p:tnLst>
+  </p:timing>
 </p:sld>
 </file>
 
@@ -6959,6 +9645,13 @@
   <p:clrMapOvr>
     <a:masterClrMapping/>
   </p:clrMapOvr>
+  <p:timing>
+    <p:tnLst>
+      <p:par>
+        <p:cTn id="1" dur="indefinite" restart="never" nodeType="tmRoot"/>
+      </p:par>
+    </p:tnLst>
+  </p:timing>
 </p:sld>
 </file>
 
@@ -7050,14 +9743,25 @@
           <a:p>
             <a:r>
               <a:rPr lang="en-US" dirty="0" smtClean="0"/>
-              <a:t>Bad: gtd01.py</a:t>
+              <a:t>Really bad</a:t>
+            </a:r>
+            <a:r>
+              <a:rPr lang="en-US" dirty="0" smtClean="0"/>
+              <a:t>: gtd01.py</a:t>
             </a:r>
           </a:p>
           <a:p>
             <a:pPr lvl="1"/>
             <a:r>
               <a:rPr lang="en-US" dirty="0" smtClean="0"/>
-              <a:t>What the heck does ‘</a:t>
+              <a:t>Short, but undescriptive and vague</a:t>
+            </a:r>
+          </a:p>
+          <a:p>
+            <a:pPr lvl="2"/>
+            <a:r>
+              <a:rPr lang="en-US" dirty="0" smtClean="0"/>
+              <a:t>Probably only the programmer knows what “</a:t>
             </a:r>
             <a:r>
               <a:rPr lang="en-US" dirty="0" err="1" smtClean="0"/>
@@ -7065,22 +9769,17 @@
             </a:r>
             <a:r>
               <a:rPr lang="en-US" dirty="0" smtClean="0"/>
-              <a:t>’ or ‘01’ mean</a:t>
-            </a:r>
+              <a:t>” means</a:t>
+            </a:r>
+            <a:endParaRPr lang="en-US" dirty="0" smtClean="0"/>
           </a:p>
           <a:p>
             <a:pPr lvl="1"/>
             <a:r>
               <a:rPr lang="en-US" dirty="0" smtClean="0"/>
-              <a:t>Undescriptive</a:t>
-            </a:r>
-          </a:p>
-          <a:p>
-            <a:pPr lvl="1"/>
-            <a:r>
-              <a:rPr lang="en-US" dirty="0" smtClean="0"/>
-              <a:t>Note: May be good for obfuscation</a:t>
-            </a:r>
+              <a:t>Could be mistaken for similar files</a:t>
+            </a:r>
+            <a:endParaRPr lang="en-US" dirty="0" smtClean="0"/>
           </a:p>
         </p:txBody>
       </p:sp>
@@ -7094,6 +9793,13 @@
   <p:clrMapOvr>
     <a:masterClrMapping/>
   </p:clrMapOvr>
+  <p:timing>
+    <p:tnLst>
+      <p:par>
+        <p:cTn id="1" dur="indefinite" restart="never" nodeType="tmRoot"/>
+      </p:par>
+    </p:tnLst>
+  </p:timing>
 </p:sld>
 </file>
 
@@ -7136,7 +9842,11 @@
           <a:p>
             <a:r>
               <a:rPr lang="en-US" dirty="0" smtClean="0"/>
-              <a:t>Bottom line: Keep it concise but descriptive</a:t>
+              <a:t>Bottom line: Keep it </a:t>
+            </a:r>
+            <a:r>
+              <a:rPr lang="en-US" dirty="0" smtClean="0"/>
+              <a:t>concise</a:t>
             </a:r>
             <a:endParaRPr lang="en-US" dirty="0"/>
           </a:p>
@@ -7152,6 +9862,13 @@
   <p:clrMapOvr>
     <a:masterClrMapping/>
   </p:clrMapOvr>
+  <p:timing>
+    <p:tnLst>
+      <p:par>
+        <p:cTn id="1" dur="indefinite" restart="never" nodeType="tmRoot"/>
+      </p:par>
+    </p:tnLst>
+  </p:timing>
 </p:sld>
 </file>
 
@@ -7189,7 +9906,11 @@
           <a:p>
             <a:r>
               <a:rPr lang="en-US" dirty="0" smtClean="0"/>
-              <a:t>Part 2: Naming in Code</a:t>
+              <a:t>Naming </a:t>
+            </a:r>
+            <a:r>
+              <a:rPr lang="en-US" dirty="0" smtClean="0"/>
+              <a:t>in Code</a:t>
             </a:r>
             <a:endParaRPr lang="en-US" dirty="0"/>
           </a:p>
@@ -7228,6 +9949,13 @@
   <p:clrMapOvr>
     <a:masterClrMapping/>
   </p:clrMapOvr>
+  <p:timing>
+    <p:tnLst>
+      <p:par>
+        <p:cTn id="1" dur="indefinite" restart="never" nodeType="tmRoot"/>
+      </p:par>
+    </p:tnLst>
+  </p:timing>
 </p:sld>
 </file>
 
@@ -7250,7 +9978,7 @@
       </p:grpSpPr>
       <p:sp>
         <p:nvSpPr>
-          <p:cNvPr id="2" name="Title 1"/>
+          <p:cNvPr id="4" name="Title 3"/>
           <p:cNvSpPr>
             <a:spLocks noGrp="1"/>
           </p:cNvSpPr>
@@ -7263,18 +9991,22 @@
           <a:bodyPr/>
           <a:lstStyle/>
           <a:p>
+            <a:r>
+              <a:rPr lang="en-US" dirty="0" smtClean="0"/>
+              <a:t>Names in Programming</a:t>
+            </a:r>
             <a:endParaRPr lang="en-US" dirty="0"/>
           </a:p>
         </p:txBody>
       </p:sp>
       <p:sp>
         <p:nvSpPr>
-          <p:cNvPr id="3" name="Text Placeholder 2"/>
-          <p:cNvSpPr>
-            <a:spLocks noGrp="1"/>
-          </p:cNvSpPr>
-          <p:nvPr>
-            <p:ph type="body" idx="1"/>
+          <p:cNvPr id="5" name="Content Placeholder 4"/>
+          <p:cNvSpPr>
+            <a:spLocks noGrp="1"/>
+          </p:cNvSpPr>
+          <p:nvPr>
+            <p:ph idx="1"/>
           </p:nvPr>
         </p:nvSpPr>
         <p:spPr/>
@@ -7282,7 +10014,22 @@
           <a:bodyPr/>
           <a:lstStyle/>
           <a:p>
-            <a:endParaRPr lang="en-US"/>
+            <a:r>
+              <a:rPr lang="en-US" dirty="0" smtClean="0"/>
+              <a:t>A good name goes very far in code</a:t>
+            </a:r>
+          </a:p>
+          <a:p>
+            <a:r>
+              <a:rPr lang="en-US" dirty="0" smtClean="0"/>
+              <a:t>Well-named variables and methods easy to use</a:t>
+            </a:r>
+          </a:p>
+          <a:p>
+            <a:endParaRPr lang="en-US" dirty="0" smtClean="0"/>
+          </a:p>
+          <a:p>
+            <a:endParaRPr lang="en-US" dirty="0"/>
           </a:p>
         </p:txBody>
       </p:sp>
@@ -7296,6 +10043,13 @@
   <p:clrMapOvr>
     <a:masterClrMapping/>
   </p:clrMapOvr>
+  <p:timing>
+    <p:tnLst>
+      <p:par>
+        <p:cTn id="1" dur="indefinite" restart="never" nodeType="tmRoot"/>
+      </p:par>
+    </p:tnLst>
+  </p:timing>
 </p:sld>
 </file>
 
